--- a/documents/פרוייקט 7 - מצגת סוף.pptx
+++ b/documents/פרוייקט 7 - מצגת סוף.pptx
@@ -17838,7 +17838,7 @@
         </p:nvSpPr>
         <p:spPr>
           <a:xfrm>
-            <a:off x="1933626" y="1441168"/>
+            <a:off x="1926699" y="1309550"/>
             <a:ext cx="6788858" cy="3185162"/>
           </a:xfrm>
           <a:prstGeom prst="rect">
@@ -17861,12 +17861,20 @@
               <a:buNone/>
             </a:pPr>
             <a:r>
+              <a:rPr lang="en-US" sz="1600" dirty="0">
+                <a:latin typeface="Calibri" panose="020F0502020204030204" pitchFamily="34" charset="0"/>
+                <a:ea typeface="Calibri" panose="020F0502020204030204" pitchFamily="34" charset="0"/>
+                <a:cs typeface="Arial" panose="020B0604020202020204" pitchFamily="34" charset="0"/>
+              </a:rPr>
+              <a:t> Spy vs Agents</a:t>
+            </a:r>
+            <a:r>
               <a:rPr lang="he-IL" sz="1600" dirty="0">
                 <a:latin typeface="Calibri" panose="020F0502020204030204" pitchFamily="34" charset="0"/>
                 <a:ea typeface="Calibri" panose="020F0502020204030204" pitchFamily="34" charset="0"/>
                 <a:cs typeface="Arial" panose="020B0604020202020204" pitchFamily="34" charset="0"/>
               </a:rPr>
-              <a:t>נצחונות / הפסדים של המודל המאומן ביותר.</a:t>
+              <a:t>לאחר אימון המודלים מעל 1,000,000 צעדי אימון.</a:t>
             </a:r>
           </a:p>
           <a:p>
@@ -18030,10 +18038,10 @@
       </p:sp>
       <p:pic>
         <p:nvPicPr>
-          <p:cNvPr id="2" name="Picture 1">
+          <p:cNvPr id="5" name="Picture 4">
             <a:extLst>
               <a:ext uri="{FF2B5EF4-FFF2-40B4-BE49-F238E27FC236}">
-                <a16:creationId xmlns:a16="http://schemas.microsoft.com/office/drawing/2014/main" id="{342789F5-0B29-C0C3-FB53-6AC7B3FB4D1A}"/>
+                <a16:creationId xmlns:a16="http://schemas.microsoft.com/office/drawing/2014/main" id="{0657D6A1-6DE1-16FD-81A8-6C86630CB65B}"/>
               </a:ext>
             </a:extLst>
           </p:cNvPr>
@@ -18050,12 +18058,19 @@
         </p:blipFill>
         <p:spPr>
           <a:xfrm>
-            <a:off x="4749764" y="2387206"/>
-            <a:ext cx="954831" cy="2181421"/>
+            <a:off x="3333830" y="1877291"/>
+            <a:ext cx="2734922" cy="3051463"/>
           </a:xfrm>
           <a:prstGeom prst="rect">
             <a:avLst/>
           </a:prstGeom>
+          <a:ln>
+            <a:solidFill>
+              <a:schemeClr val="tx2">
+                <a:lumMod val="10000"/>
+              </a:schemeClr>
+            </a:solidFill>
+          </a:ln>
         </p:spPr>
       </p:pic>
     </p:spTree>
@@ -18149,7 +18164,7 @@
         </p:nvSpPr>
         <p:spPr>
           <a:xfrm>
-            <a:off x="1933626" y="1441168"/>
+            <a:off x="1926699" y="1383465"/>
             <a:ext cx="6788858" cy="3185162"/>
           </a:xfrm>
           <a:prstGeom prst="rect">
@@ -18320,114 +18335,329 @@
           </a:p>
         </p:txBody>
       </p:sp>
-      <p:pic>
-        <p:nvPicPr>
-          <p:cNvPr id="3" name="Graphic 2" descr="Airplane with solid fill">
+      <p:sp>
+        <p:nvSpPr>
+          <p:cNvPr id="7" name="TextBox 6">
             <a:extLst>
               <a:ext uri="{FF2B5EF4-FFF2-40B4-BE49-F238E27FC236}">
-                <a16:creationId xmlns:a16="http://schemas.microsoft.com/office/drawing/2014/main" id="{1D3BC0D9-79C2-8068-6D81-5F078BB21C58}"/>
+                <a16:creationId xmlns:a16="http://schemas.microsoft.com/office/drawing/2014/main" id="{B354D0F9-EDC1-498F-C1B1-9816F50A15DD}"/>
               </a:ext>
             </a:extLst>
           </p:cNvPr>
-          <p:cNvPicPr>
-            <a:picLocks noChangeAspect="1"/>
-          </p:cNvPicPr>
+          <p:cNvSpPr txBox="1"/>
           <p:nvPr/>
-        </p:nvPicPr>
-        <p:blipFill>
-          <a:blip r:embed="rId3">
-            <a:extLst>
-              <a:ext uri="{96DAC541-7B7A-43D3-8B79-37D633B846F1}">
-                <asvg:svgBlip xmlns:asvg="http://schemas.microsoft.com/office/drawing/2016/SVG/main" r:embed="rId4"/>
-              </a:ext>
-            </a:extLst>
-          </a:blip>
-          <a:stretch>
-            <a:fillRect/>
-          </a:stretch>
-        </p:blipFill>
+        </p:nvSpPr>
         <p:spPr>
           <a:xfrm>
-            <a:off x="7114709" y="2454778"/>
-            <a:ext cx="1157942" cy="1157942"/>
+            <a:off x="2542709" y="1660054"/>
+            <a:ext cx="4572000" cy="646331"/>
           </a:xfrm>
           <a:prstGeom prst="rect">
             <a:avLst/>
           </a:prstGeom>
+          <a:noFill/>
         </p:spPr>
-      </p:pic>
-      <p:pic>
-        <p:nvPicPr>
-          <p:cNvPr id="5" name="Graphic 4" descr="Airplane with solid fill">
+        <p:txBody>
+          <a:bodyPr wrap="square">
+            <a:spAutoFit/>
+          </a:bodyPr>
+          <a:lstStyle/>
+          <a:p>
+            <a:r>
+              <a:rPr lang="en-US" sz="3600" dirty="0">
+                <a:hlinkClick r:id="rId3"/>
+              </a:rPr>
+              <a:t>Catch me if you can</a:t>
+            </a:r>
+            <a:endParaRPr lang="en-US" sz="3600" dirty="0"/>
+          </a:p>
+        </p:txBody>
+      </p:sp>
+      <p:grpSp>
+        <p:nvGrpSpPr>
+          <p:cNvPr id="13" name="Group 12">
             <a:extLst>
               <a:ext uri="{FF2B5EF4-FFF2-40B4-BE49-F238E27FC236}">
-                <a16:creationId xmlns:a16="http://schemas.microsoft.com/office/drawing/2014/main" id="{A04B2ABC-5F12-43BE-EE9A-39CA72F7E318}"/>
+                <a16:creationId xmlns:a16="http://schemas.microsoft.com/office/drawing/2014/main" id="{CC5641E4-6BA6-51CE-041A-17FE150E945F}"/>
               </a:ext>
             </a:extLst>
           </p:cNvPr>
-          <p:cNvPicPr>
-            <a:picLocks noChangeAspect="1"/>
-          </p:cNvPicPr>
+          <p:cNvGrpSpPr/>
           <p:nvPr/>
-        </p:nvPicPr>
-        <p:blipFill>
-          <a:blip r:embed="rId5">
-            <a:extLst>
-              <a:ext uri="{96DAC541-7B7A-43D3-8B79-37D633B846F1}">
-                <asvg:svgBlip xmlns:asvg="http://schemas.microsoft.com/office/drawing/2016/SVG/main" r:embed="rId6"/>
-              </a:ext>
-            </a:extLst>
-          </a:blip>
-          <a:stretch>
-            <a:fillRect/>
-          </a:stretch>
-        </p:blipFill>
-        <p:spPr>
+        </p:nvGrpSpPr>
+        <p:grpSpPr>
           <a:xfrm>
-            <a:off x="7115225" y="3620439"/>
-            <a:ext cx="1157942" cy="1157942"/>
+            <a:off x="2588271" y="2571750"/>
+            <a:ext cx="1157942" cy="1349162"/>
+            <a:chOff x="2542052" y="2567667"/>
+            <a:chExt cx="1157942" cy="1349162"/>
           </a:xfrm>
-          <a:prstGeom prst="rect">
-            <a:avLst/>
-          </a:prstGeom>
-        </p:spPr>
-      </p:pic>
-      <p:pic>
-        <p:nvPicPr>
-          <p:cNvPr id="6" name="Graphic 5" descr="Airplane with solid fill">
+        </p:grpSpPr>
+        <p:pic>
+          <p:nvPicPr>
+            <p:cNvPr id="6" name="Graphic 5" descr="Airplane with solid fill">
+              <a:extLst>
+                <a:ext uri="{FF2B5EF4-FFF2-40B4-BE49-F238E27FC236}">
+                  <a16:creationId xmlns:a16="http://schemas.microsoft.com/office/drawing/2014/main" id="{2638BCEF-35C2-A20C-31F6-D3794B0EFB62}"/>
+                </a:ext>
+              </a:extLst>
+            </p:cNvPr>
+            <p:cNvPicPr>
+              <a:picLocks noChangeAspect="1"/>
+            </p:cNvPicPr>
+            <p:nvPr/>
+          </p:nvPicPr>
+          <p:blipFill>
+            <a:blip r:embed="rId4">
+              <a:extLst>
+                <a:ext uri="{96DAC541-7B7A-43D3-8B79-37D633B846F1}">
+                  <asvg:svgBlip xmlns:asvg="http://schemas.microsoft.com/office/drawing/2016/SVG/main" r:embed="rId5"/>
+                </a:ext>
+              </a:extLst>
+            </a:blip>
+            <a:stretch>
+              <a:fillRect/>
+            </a:stretch>
+          </p:blipFill>
+          <p:spPr>
+            <a:xfrm>
+              <a:off x="2542052" y="2567667"/>
+              <a:ext cx="1157942" cy="1157942"/>
+            </a:xfrm>
+            <a:prstGeom prst="rect">
+              <a:avLst/>
+            </a:prstGeom>
+          </p:spPr>
+        </p:pic>
+        <p:sp>
+          <p:nvSpPr>
+            <p:cNvPr id="8" name="TextBox 7">
+              <a:extLst>
+                <a:ext uri="{FF2B5EF4-FFF2-40B4-BE49-F238E27FC236}">
+                  <a16:creationId xmlns:a16="http://schemas.microsoft.com/office/drawing/2014/main" id="{6B6F8305-E64B-F45F-B227-7A6D803CBAC5}"/>
+                </a:ext>
+              </a:extLst>
+            </p:cNvPr>
+            <p:cNvSpPr txBox="1"/>
+            <p:nvPr/>
+          </p:nvSpPr>
+          <p:spPr>
+            <a:xfrm>
+              <a:off x="2851431" y="3609052"/>
+              <a:ext cx="727363" cy="307777"/>
+            </a:xfrm>
+            <a:prstGeom prst="rect">
+              <a:avLst/>
+            </a:prstGeom>
+            <a:noFill/>
+          </p:spPr>
+          <p:txBody>
+            <a:bodyPr wrap="square" rtlCol="0">
+              <a:spAutoFit/>
+            </a:bodyPr>
+            <a:lstStyle/>
+            <a:p>
+              <a:pPr algn="just"/>
+              <a:r>
+                <a:rPr lang="en-US" b="1" dirty="0"/>
+                <a:t>Spy</a:t>
+              </a:r>
+            </a:p>
+          </p:txBody>
+        </p:sp>
+      </p:grpSp>
+      <p:grpSp>
+        <p:nvGrpSpPr>
+          <p:cNvPr id="11" name="Group 10">
             <a:extLst>
               <a:ext uri="{FF2B5EF4-FFF2-40B4-BE49-F238E27FC236}">
-                <a16:creationId xmlns:a16="http://schemas.microsoft.com/office/drawing/2014/main" id="{2638BCEF-35C2-A20C-31F6-D3794B0EFB62}"/>
+                <a16:creationId xmlns:a16="http://schemas.microsoft.com/office/drawing/2014/main" id="{F6A77B1C-AB95-3C17-F0D9-5F75E6B77887}"/>
               </a:ext>
             </a:extLst>
           </p:cNvPr>
-          <p:cNvPicPr>
-            <a:picLocks noChangeAspect="1"/>
-          </p:cNvPicPr>
+          <p:cNvGrpSpPr/>
           <p:nvPr/>
-        </p:nvPicPr>
-        <p:blipFill>
-          <a:blip r:embed="rId7">
+        </p:nvGrpSpPr>
+        <p:grpSpPr>
+          <a:xfrm>
+            <a:off x="5564155" y="2588825"/>
+            <a:ext cx="1333460" cy="1307747"/>
+            <a:chOff x="7432563" y="2571750"/>
+            <a:chExt cx="1333460" cy="1307747"/>
+          </a:xfrm>
+        </p:grpSpPr>
+        <p:pic>
+          <p:nvPicPr>
+            <p:cNvPr id="5" name="Graphic 4" descr="Airplane with solid fill">
+              <a:extLst>
+                <a:ext uri="{FF2B5EF4-FFF2-40B4-BE49-F238E27FC236}">
+                  <a16:creationId xmlns:a16="http://schemas.microsoft.com/office/drawing/2014/main" id="{A04B2ABC-5F12-43BE-EE9A-39CA72F7E318}"/>
+                </a:ext>
+              </a:extLst>
+            </p:cNvPr>
+            <p:cNvPicPr>
+              <a:picLocks noChangeAspect="1"/>
+            </p:cNvPicPr>
+            <p:nvPr/>
+          </p:nvPicPr>
+          <p:blipFill>
+            <a:blip r:embed="rId6">
+              <a:extLst>
+                <a:ext uri="{96DAC541-7B7A-43D3-8B79-37D633B846F1}">
+                  <asvg:svgBlip xmlns:asvg="http://schemas.microsoft.com/office/drawing/2016/SVG/main" r:embed="rId7"/>
+                </a:ext>
+              </a:extLst>
+            </a:blip>
+            <a:stretch>
+              <a:fillRect/>
+            </a:stretch>
+          </p:blipFill>
+          <p:spPr>
+            <a:xfrm>
+              <a:off x="7432563" y="2571750"/>
+              <a:ext cx="1157942" cy="1157942"/>
+            </a:xfrm>
+            <a:prstGeom prst="rect">
+              <a:avLst/>
+            </a:prstGeom>
+          </p:spPr>
+        </p:pic>
+        <p:sp>
+          <p:nvSpPr>
+            <p:cNvPr id="9" name="TextBox 8">
+              <a:extLst>
+                <a:ext uri="{FF2B5EF4-FFF2-40B4-BE49-F238E27FC236}">
+                  <a16:creationId xmlns:a16="http://schemas.microsoft.com/office/drawing/2014/main" id="{C048426E-8361-3B10-3965-F503916EDD16}"/>
+                </a:ext>
+              </a:extLst>
+            </p:cNvPr>
+            <p:cNvSpPr txBox="1"/>
+            <p:nvPr/>
+          </p:nvSpPr>
+          <p:spPr>
+            <a:xfrm>
+              <a:off x="7553750" y="3571720"/>
+              <a:ext cx="1212273" cy="307777"/>
+            </a:xfrm>
+            <a:prstGeom prst="rect">
+              <a:avLst/>
+            </a:prstGeom>
+            <a:noFill/>
+          </p:spPr>
+          <p:txBody>
+            <a:bodyPr wrap="square" rtlCol="0">
+              <a:spAutoFit/>
+            </a:bodyPr>
+            <a:lstStyle/>
+            <a:p>
+              <a:r>
+                <a:rPr lang="en-US" b="1" dirty="0">
+                  <a:solidFill>
+                    <a:srgbClr val="1C722A"/>
+                  </a:solidFill>
+                </a:rPr>
+                <a:t>Agent_2</a:t>
+              </a:r>
+            </a:p>
+          </p:txBody>
+        </p:sp>
+      </p:grpSp>
+      <p:grpSp>
+        <p:nvGrpSpPr>
+          <p:cNvPr id="12" name="Group 11">
             <a:extLst>
-              <a:ext uri="{96DAC541-7B7A-43D3-8B79-37D633B846F1}">
-                <asvg:svgBlip xmlns:asvg="http://schemas.microsoft.com/office/drawing/2016/SVG/main" r:embed="rId8"/>
+              <a:ext uri="{FF2B5EF4-FFF2-40B4-BE49-F238E27FC236}">
+                <a16:creationId xmlns:a16="http://schemas.microsoft.com/office/drawing/2014/main" id="{41A429E8-1A6F-1A66-F114-4633408804C0}"/>
               </a:ext>
             </a:extLst>
-          </a:blip>
-          <a:stretch>
-            <a:fillRect/>
-          </a:stretch>
-        </p:blipFill>
-        <p:spPr>
+          </p:cNvPr>
+          <p:cNvGrpSpPr/>
+          <p:nvPr/>
+        </p:nvGrpSpPr>
+        <p:grpSpPr>
           <a:xfrm>
-            <a:off x="7114709" y="1289117"/>
-            <a:ext cx="1157942" cy="1157942"/>
+            <a:off x="4138193" y="2613425"/>
+            <a:ext cx="1157942" cy="1307487"/>
+            <a:chOff x="6372691" y="2604998"/>
+            <a:chExt cx="1157942" cy="1307487"/>
           </a:xfrm>
-          <a:prstGeom prst="rect">
-            <a:avLst/>
-          </a:prstGeom>
-        </p:spPr>
-      </p:pic>
+        </p:grpSpPr>
+        <p:pic>
+          <p:nvPicPr>
+            <p:cNvPr id="3" name="Graphic 2" descr="Airplane with solid fill">
+              <a:extLst>
+                <a:ext uri="{FF2B5EF4-FFF2-40B4-BE49-F238E27FC236}">
+                  <a16:creationId xmlns:a16="http://schemas.microsoft.com/office/drawing/2014/main" id="{1D3BC0D9-79C2-8068-6D81-5F078BB21C58}"/>
+                </a:ext>
+              </a:extLst>
+            </p:cNvPr>
+            <p:cNvPicPr>
+              <a:picLocks noChangeAspect="1"/>
+            </p:cNvPicPr>
+            <p:nvPr/>
+          </p:nvPicPr>
+          <p:blipFill>
+            <a:blip r:embed="rId8">
+              <a:extLst>
+                <a:ext uri="{96DAC541-7B7A-43D3-8B79-37D633B846F1}">
+                  <asvg:svgBlip xmlns:asvg="http://schemas.microsoft.com/office/drawing/2016/SVG/main" r:embed="rId9"/>
+                </a:ext>
+              </a:extLst>
+            </a:blip>
+            <a:stretch>
+              <a:fillRect/>
+            </a:stretch>
+          </p:blipFill>
+          <p:spPr>
+            <a:xfrm>
+              <a:off x="6372691" y="2604998"/>
+              <a:ext cx="1157942" cy="1157942"/>
+            </a:xfrm>
+            <a:prstGeom prst="rect">
+              <a:avLst/>
+            </a:prstGeom>
+          </p:spPr>
+        </p:pic>
+        <p:sp>
+          <p:nvSpPr>
+            <p:cNvPr id="10" name="TextBox 9">
+              <a:extLst>
+                <a:ext uri="{FF2B5EF4-FFF2-40B4-BE49-F238E27FC236}">
+                  <a16:creationId xmlns:a16="http://schemas.microsoft.com/office/drawing/2014/main" id="{8A5D9C3E-C33D-ED0A-38E5-5C1FEF1E0FDC}"/>
+                </a:ext>
+              </a:extLst>
+            </p:cNvPr>
+            <p:cNvSpPr txBox="1"/>
+            <p:nvPr/>
+          </p:nvSpPr>
+          <p:spPr>
+            <a:xfrm>
+              <a:off x="6499145" y="3604708"/>
+              <a:ext cx="928151" cy="307777"/>
+            </a:xfrm>
+            <a:prstGeom prst="rect">
+              <a:avLst/>
+            </a:prstGeom>
+            <a:noFill/>
+          </p:spPr>
+          <p:txBody>
+            <a:bodyPr wrap="square" rtlCol="0">
+              <a:spAutoFit/>
+            </a:bodyPr>
+            <a:lstStyle/>
+            <a:p>
+              <a:r>
+                <a:rPr lang="en-US" b="1" dirty="0">
+                  <a:solidFill>
+                    <a:srgbClr val="1E39D5"/>
+                  </a:solidFill>
+                </a:rPr>
+                <a:t>Agent_1</a:t>
+              </a:r>
+            </a:p>
+          </p:txBody>
+        </p:sp>
+      </p:grpSp>
     </p:spTree>
     <p:extLst>
       <p:ext uri="{BB962C8B-B14F-4D97-AF65-F5344CB8AC3E}">

--- a/documents/פרוייקט 7 - מצגת סוף.pptx
+++ b/documents/פרוייקט 7 - מצגת סוף.pptx
@@ -1872,89 +1872,6 @@
               <a:tabLst/>
               <a:defRPr/>
             </a:pPr>
-            <a:r>
-              <a:rPr lang="he-IL" sz="1100" dirty="0">
-                <a:solidFill>
-                  <a:schemeClr val="tx2">
-                    <a:lumMod val="10000"/>
-                  </a:schemeClr>
-                </a:solidFill>
-                <a:effectLst/>
-                <a:latin typeface="Calibri" panose="020F0502020204030204" pitchFamily="34" charset="0"/>
-                <a:ea typeface="Calibri" panose="020F0502020204030204" pitchFamily="34" charset="0"/>
-                <a:cs typeface="Arial" panose="020B0604020202020204" pitchFamily="34" charset="0"/>
-              </a:rPr>
-              <a:t>לוח המשחק הוא מפת כדור הארץ, כל המדינות מחוברות כרשת על פי הטיסות בניהן. כל שחקן מתחיל בנקודה אחרת על המפה ויכול לנוע מיעד ליעד ע"י טיסה, לכל טיסה יש זמן שונה.</a:t>
-            </a:r>
-          </a:p>
-          <a:p>
-            <a:pPr marL="0" lvl="0" indent="0" algn="l" rtl="0">
-              <a:spcBef>
-                <a:spcPts val="0"/>
-              </a:spcBef>
-              <a:spcAft>
-                <a:spcPts val="0"/>
-              </a:spcAft>
-              <a:buNone/>
-            </a:pPr>
-            <a:endParaRPr lang="he-IL" dirty="0"/>
-          </a:p>
-          <a:p>
-            <a:pPr marL="0" marR="0" lvl="0" indent="0" algn="l" defTabSz="914400" rtl="0" eaLnBrk="1" fontAlgn="auto" latinLnBrk="0" hangingPunct="1">
-              <a:lnSpc>
-                <a:spcPct val="100000"/>
-              </a:lnSpc>
-              <a:spcBef>
-                <a:spcPts val="0"/>
-              </a:spcBef>
-              <a:spcAft>
-                <a:spcPts val="0"/>
-              </a:spcAft>
-              <a:buClr>
-                <a:srgbClr val="000000"/>
-              </a:buClr>
-              <a:buSzPts val="1100"/>
-              <a:buFont typeface="Arial"/>
-              <a:buNone/>
-              <a:tabLst/>
-              <a:defRPr/>
-            </a:pPr>
-            <a:r>
-              <a:rPr lang="he-IL" sz="1100" dirty="0">
-                <a:solidFill>
-                  <a:schemeClr val="tx2">
-                    <a:lumMod val="10000"/>
-                  </a:schemeClr>
-                </a:solidFill>
-                <a:effectLst/>
-                <a:latin typeface="Calibri" panose="020F0502020204030204" pitchFamily="34" charset="0"/>
-                <a:ea typeface="Calibri" panose="020F0502020204030204" pitchFamily="34" charset="0"/>
-                <a:cs typeface="Arial" panose="020B0604020202020204" pitchFamily="34" charset="0"/>
-              </a:rPr>
-              <a:t>תנועת השחקנים נעשית במקביל והיא חשופה לשני הצדדים ולכן עליהם להפעיל מחשבה ואסטרטגיה בין כל צעד שהם עושים.</a:t>
-            </a:r>
-            <a:endParaRPr lang="en-US" sz="1100" dirty="0">
-              <a:solidFill>
-                <a:schemeClr val="tx2">
-                  <a:lumMod val="10000"/>
-                </a:schemeClr>
-              </a:solidFill>
-              <a:effectLst/>
-              <a:latin typeface="Calibri" panose="020F0502020204030204" pitchFamily="34" charset="0"/>
-              <a:ea typeface="Calibri" panose="020F0502020204030204" pitchFamily="34" charset="0"/>
-              <a:cs typeface="Arial" panose="020B0604020202020204" pitchFamily="34" charset="0"/>
-            </a:endParaRPr>
-          </a:p>
-          <a:p>
-            <a:pPr marL="0" lvl="0" indent="0" algn="l" rtl="0">
-              <a:spcBef>
-                <a:spcPts val="0"/>
-              </a:spcBef>
-              <a:spcAft>
-                <a:spcPts val="0"/>
-              </a:spcAft>
-              <a:buNone/>
-            </a:pPr>
             <a:endParaRPr dirty="0"/>
           </a:p>
         </p:txBody>
@@ -2064,22 +1981,6 @@
               </a:spcAft>
               <a:buNone/>
             </a:pPr>
-            <a:r>
-              <a:rPr lang="en-US" dirty="0"/>
-              <a:t>https://jamboard.google.com/d/1cwihxGZXsXmjHCCJro26SAaIsMFHTof7giER_R7lfUA/viewer</a:t>
-            </a:r>
-            <a:endParaRPr lang="he-IL" dirty="0"/>
-          </a:p>
-          <a:p>
-            <a:pPr marL="0" lvl="0" indent="0" algn="l" rtl="0">
-              <a:spcBef>
-                <a:spcPts val="0"/>
-              </a:spcBef>
-              <a:spcAft>
-                <a:spcPts val="0"/>
-              </a:spcAft>
-              <a:buNone/>
-            </a:pPr>
             <a:endParaRPr lang="he-IL" dirty="0"/>
           </a:p>
           <a:p>
@@ -2295,76 +2196,6 @@
             <a:noAutofit/>
           </a:bodyPr>
           <a:lstStyle/>
-          <a:p>
-            <a:pPr marL="0" marR="0" lvl="0" indent="0" algn="l" defTabSz="914400" rtl="0" eaLnBrk="1" fontAlgn="auto" latinLnBrk="0" hangingPunct="1">
-              <a:lnSpc>
-                <a:spcPct val="100000"/>
-              </a:lnSpc>
-              <a:spcBef>
-                <a:spcPts val="0"/>
-              </a:spcBef>
-              <a:spcAft>
-                <a:spcPts val="0"/>
-              </a:spcAft>
-              <a:buClr>
-                <a:srgbClr val="000000"/>
-              </a:buClr>
-              <a:buSzPts val="1100"/>
-              <a:buFont typeface="Arial"/>
-              <a:buNone/>
-              <a:tabLst/>
-              <a:defRPr/>
-            </a:pPr>
-            <a:r>
-              <a:rPr lang="he-IL" sz="1100" dirty="0">
-                <a:effectLst/>
-                <a:latin typeface="Calibri" panose="020F0502020204030204" pitchFamily="34" charset="0"/>
-                <a:ea typeface="Calibri" panose="020F0502020204030204" pitchFamily="34" charset="0"/>
-                <a:cs typeface="Arial" panose="020B0604020202020204" pitchFamily="34" charset="0"/>
-              </a:rPr>
-              <a:t>שיטה זו מייחסת ערכים חיוביים לפעולות הרצויות לעידוד הסוכן וערכים שליליים להתנהגויות לא רצויות. </a:t>
-            </a:r>
-            <a:br>
-              <a:rPr lang="en-US" sz="1100" dirty="0">
-                <a:effectLst/>
-                <a:latin typeface="Calibri" panose="020F0502020204030204" pitchFamily="34" charset="0"/>
-                <a:ea typeface="Calibri" panose="020F0502020204030204" pitchFamily="34" charset="0"/>
-                <a:cs typeface="Arial" panose="020B0604020202020204" pitchFamily="34" charset="0"/>
-              </a:rPr>
-            </a:br>
-            <a:r>
-              <a:rPr lang="he-IL" sz="1100" dirty="0">
-                <a:effectLst/>
-                <a:latin typeface="Calibri" panose="020F0502020204030204" pitchFamily="34" charset="0"/>
-                <a:ea typeface="Calibri" panose="020F0502020204030204" pitchFamily="34" charset="0"/>
-                <a:cs typeface="Arial" panose="020B0604020202020204" pitchFamily="34" charset="0"/>
-              </a:rPr>
-              <a:t>זה מתכנת את הסוכן לחפש תגמול כולל לטווח ארוך ומקסימלי כדי להשיג פתרון אופטימלי. </a:t>
-            </a:r>
-            <a:br>
-              <a:rPr lang="en-US" sz="1100" dirty="0">
-                <a:effectLst/>
-                <a:latin typeface="Calibri" panose="020F0502020204030204" pitchFamily="34" charset="0"/>
-                <a:ea typeface="Calibri" panose="020F0502020204030204" pitchFamily="34" charset="0"/>
-                <a:cs typeface="Arial" panose="020B0604020202020204" pitchFamily="34" charset="0"/>
-              </a:rPr>
-            </a:br>
-            <a:r>
-              <a:rPr lang="he-IL" sz="1100" dirty="0">
-                <a:effectLst/>
-                <a:latin typeface="Calibri" panose="020F0502020204030204" pitchFamily="34" charset="0"/>
-                <a:ea typeface="Calibri" panose="020F0502020204030204" pitchFamily="34" charset="0"/>
-                <a:cs typeface="Arial" panose="020B0604020202020204" pitchFamily="34" charset="0"/>
-              </a:rPr>
-              <a:t>כך לומד הסוכן עם הזמן להימנע מהשלילי ולחפש את החיובי.</a:t>
-            </a:r>
-            <a:endParaRPr lang="en-US" sz="1100" dirty="0">
-              <a:effectLst/>
-              <a:latin typeface="Calibri" panose="020F0502020204030204" pitchFamily="34" charset="0"/>
-              <a:ea typeface="Calibri" panose="020F0502020204030204" pitchFamily="34" charset="0"/>
-              <a:cs typeface="Arial" panose="020B0604020202020204" pitchFamily="34" charset="0"/>
-            </a:endParaRPr>
-          </a:p>
           <a:p>
             <a:pPr marL="0" lvl="0" indent="0" algn="l" rtl="0">
               <a:spcBef>
@@ -20517,7 +20348,25 @@
                 <a:ea typeface="Calibri" panose="020F0502020204030204" pitchFamily="34" charset="0"/>
                 <a:cs typeface="Arial" panose="020B0604020202020204" pitchFamily="34" charset="0"/>
               </a:rPr>
-              <a:t>לוח המשחק הוא מפת עולם עם 40 שדות תעופה, אשר מחוברים במידה וקיימת בינהם טיסה.</a:t>
+              <a:t>לוח המשחק הוא מפת עולם עם </a:t>
+            </a:r>
+            <a:r>
+              <a:rPr lang="en-US" sz="1800" dirty="0">
+                <a:effectLst/>
+                <a:latin typeface="+mj-lt"/>
+                <a:ea typeface="Calibri" panose="020F0502020204030204" pitchFamily="34" charset="0"/>
+                <a:cs typeface="Arial" panose="020B0604020202020204" pitchFamily="34" charset="0"/>
+              </a:rPr>
+              <a:t>20</a:t>
+            </a:r>
+            <a:r>
+              <a:rPr lang="he-IL" sz="1800" dirty="0">
+                <a:effectLst/>
+                <a:latin typeface="+mj-lt"/>
+                <a:ea typeface="Calibri" panose="020F0502020204030204" pitchFamily="34" charset="0"/>
+                <a:cs typeface="Arial" panose="020B0604020202020204" pitchFamily="34" charset="0"/>
+              </a:rPr>
+              <a:t> שדות תעופה, אשר מחוברים במידה וקיימת בינהם טיסה.</a:t>
             </a:r>
             <a:endParaRPr lang="he-IL" dirty="0"/>
           </a:p>
@@ -20525,10 +20374,10 @@
       </p:sp>
       <p:pic>
         <p:nvPicPr>
-          <p:cNvPr id="9" name="Picture 8">
+          <p:cNvPr id="3" name="Picture 2">
             <a:extLst>
               <a:ext uri="{FF2B5EF4-FFF2-40B4-BE49-F238E27FC236}">
-                <a16:creationId xmlns:a16="http://schemas.microsoft.com/office/drawing/2014/main" id="{2F043ED5-256E-7D7C-C2AD-BF77DC763CDF}"/>
+                <a16:creationId xmlns:a16="http://schemas.microsoft.com/office/drawing/2014/main" id="{7D7B9E2D-354A-DA4F-F4B8-F0DA9E9A1BE5}"/>
               </a:ext>
             </a:extLst>
           </p:cNvPr>
@@ -20545,8 +20394,8 @@
         </p:blipFill>
         <p:spPr>
           <a:xfrm>
-            <a:off x="33337" y="1450133"/>
-            <a:ext cx="6793725" cy="3379041"/>
+            <a:off x="819071" y="1390181"/>
+            <a:ext cx="5988147" cy="3315975"/>
           </a:xfrm>
           <a:prstGeom prst="rect">
             <a:avLst/>

--- a/documents/פרוייקט 7 - מצגת סוף.pptx
+++ b/documents/פרוייקט 7 - מצגת סוף.pptx
@@ -37,7 +37,7 @@
       <p:boldItalic r:id="rId23"/>
     </p:embeddedFont>
     <p:embeddedFont>
-      <p:font typeface="Montserrat" panose="00000500000000000000" pitchFamily="2" charset="0"/>
+      <p:font typeface="Montserrat" pitchFamily="2" charset="77"/>
       <p:regular r:id="rId24"/>
       <p:bold r:id="rId25"/>
       <p:italic r:id="rId26"/>
@@ -15385,7 +15385,7 @@
         </p:nvSpPr>
         <p:spPr>
           <a:xfrm>
-            <a:off x="1081699" y="1886013"/>
+            <a:off x="1081699" y="1858303"/>
             <a:ext cx="6980700" cy="2052600"/>
           </a:xfrm>
           <a:prstGeom prst="rect">
@@ -15760,7 +15760,7 @@
         </p:nvSpPr>
         <p:spPr>
           <a:xfrm>
-            <a:off x="2566468" y="517170"/>
+            <a:off x="2799965" y="461752"/>
             <a:ext cx="3404026" cy="572700"/>
           </a:xfrm>
           <a:prstGeom prst="rect">
@@ -16042,8 +16042,8 @@
         </p:blipFill>
         <p:spPr>
           <a:xfrm>
-            <a:off x="890729" y="2119546"/>
-            <a:ext cx="4614887" cy="2260353"/>
+            <a:off x="264505" y="2122516"/>
+            <a:ext cx="5618752" cy="2752042"/>
           </a:xfrm>
           <a:prstGeom prst="rect">
             <a:avLst/>
@@ -16079,8 +16079,8 @@
         </p:blipFill>
         <p:spPr>
           <a:xfrm>
-            <a:off x="5970494" y="1804499"/>
-            <a:ext cx="2762632" cy="3070059"/>
+            <a:off x="6154115" y="2124699"/>
+            <a:ext cx="2474496" cy="2749859"/>
           </a:xfrm>
           <a:prstGeom prst="rect">
             <a:avLst/>
@@ -16121,7 +16121,7 @@
         </p:blipFill>
         <p:spPr>
           <a:xfrm>
-            <a:off x="1399641" y="2419350"/>
+            <a:off x="729081" y="2718608"/>
             <a:ext cx="152400" cy="152400"/>
           </a:xfrm>
           <a:prstGeom prst="rect">
@@ -16151,7 +16151,7 @@
         </p:blipFill>
         <p:spPr>
           <a:xfrm>
-            <a:off x="1392548" y="3959270"/>
+            <a:off x="729247" y="4214194"/>
             <a:ext cx="152400" cy="152400"/>
           </a:xfrm>
           <a:prstGeom prst="rect">
@@ -16701,7 +16701,7 @@
         </p:nvSpPr>
         <p:spPr>
           <a:xfrm>
-            <a:off x="2566468" y="517170"/>
+            <a:off x="2771515" y="439585"/>
             <a:ext cx="3404026" cy="572700"/>
           </a:xfrm>
           <a:prstGeom prst="rect">
@@ -16750,7 +16750,7 @@
         </p:nvSpPr>
         <p:spPr>
           <a:xfrm>
-            <a:off x="1933626" y="1441168"/>
+            <a:off x="2110964" y="1441168"/>
             <a:ext cx="6788858" cy="3185162"/>
           </a:xfrm>
           <a:prstGeom prst="rect">
@@ -16962,8 +16962,8 @@
         </p:blipFill>
         <p:spPr>
           <a:xfrm>
-            <a:off x="1107991" y="2222199"/>
-            <a:ext cx="4687781" cy="2302207"/>
+            <a:off x="354303" y="2054580"/>
+            <a:ext cx="5718283" cy="2808295"/>
           </a:xfrm>
           <a:prstGeom prst="rect">
             <a:avLst/>
@@ -16999,8 +16999,8 @@
         </p:blipFill>
         <p:spPr>
           <a:xfrm>
-            <a:off x="6264462" y="2054580"/>
-            <a:ext cx="2265921" cy="2571750"/>
+            <a:off x="6315361" y="2054581"/>
+            <a:ext cx="2474336" cy="2808294"/>
           </a:xfrm>
           <a:prstGeom prst="rect">
             <a:avLst/>
@@ -17037,7 +17037,7 @@
         </p:blipFill>
         <p:spPr>
           <a:xfrm>
-            <a:off x="1512184" y="2495550"/>
+            <a:off x="695419" y="2617470"/>
             <a:ext cx="152400" cy="152400"/>
           </a:xfrm>
           <a:prstGeom prst="rect">
@@ -17067,7 +17067,7 @@
         </p:blipFill>
         <p:spPr>
           <a:xfrm>
-            <a:off x="1512184" y="4167088"/>
+            <a:off x="675370" y="4200339"/>
             <a:ext cx="152400" cy="152400"/>
           </a:xfrm>
           <a:prstGeom prst="rect">
@@ -17617,7 +17617,7 @@
         </p:nvSpPr>
         <p:spPr>
           <a:xfrm>
-            <a:off x="2566468" y="517170"/>
+            <a:off x="3442075" y="444137"/>
             <a:ext cx="3404026" cy="572700"/>
           </a:xfrm>
           <a:prstGeom prst="rect">
@@ -17669,7 +17669,7 @@
         </p:nvSpPr>
         <p:spPr>
           <a:xfrm>
-            <a:off x="1926699" y="1309550"/>
+            <a:off x="1975286" y="1481346"/>
             <a:ext cx="6788858" cy="3185162"/>
           </a:xfrm>
           <a:prstGeom prst="rect">
@@ -17699,6 +17699,17 @@
               </a:rPr>
               <a:t> Spy vs Agents</a:t>
             </a:r>
+          </a:p>
+          <a:p>
+            <a:pPr marL="0" indent="0" algn="r" rtl="1">
+              <a:lnSpc>
+                <a:spcPct val="107000"/>
+              </a:lnSpc>
+              <a:spcAft>
+                <a:spcPts val="800"/>
+              </a:spcAft>
+              <a:buNone/>
+            </a:pPr>
             <a:r>
               <a:rPr lang="he-IL" sz="1600" dirty="0">
                 <a:latin typeface="Calibri" panose="020F0502020204030204" pitchFamily="34" charset="0"/>
@@ -17889,8 +17900,8 @@
         </p:blipFill>
         <p:spPr>
           <a:xfrm>
-            <a:off x="3333830" y="1877291"/>
-            <a:ext cx="2734922" cy="3051463"/>
+            <a:off x="379856" y="1481346"/>
+            <a:ext cx="3282263" cy="3662154"/>
           </a:xfrm>
           <a:prstGeom prst="rect">
             <a:avLst/>
@@ -17946,7 +17957,7 @@
         </p:nvSpPr>
         <p:spPr>
           <a:xfrm>
-            <a:off x="3658116" y="574873"/>
+            <a:off x="3737061" y="446149"/>
             <a:ext cx="2183296" cy="572700"/>
           </a:xfrm>
           <a:prstGeom prst="rect">
@@ -19824,7 +19835,7 @@
         </p:nvSpPr>
         <p:spPr>
           <a:xfrm>
-            <a:off x="3953629" y="1600435"/>
+            <a:off x="4031216" y="1600435"/>
             <a:ext cx="4353600" cy="527700"/>
           </a:xfrm>
           <a:prstGeom prst="rect">
@@ -19870,7 +19881,7 @@
         </p:nvSpPr>
         <p:spPr>
           <a:xfrm>
-            <a:off x="787482" y="2840567"/>
+            <a:off x="898892" y="3066762"/>
             <a:ext cx="8004902" cy="1466903"/>
           </a:xfrm>
           <a:prstGeom prst="rect">
@@ -20262,7 +20273,7 @@
         </p:nvSpPr>
         <p:spPr>
           <a:xfrm>
-            <a:off x="3484499" y="437344"/>
+            <a:off x="3484499" y="415573"/>
             <a:ext cx="2175002" cy="572700"/>
           </a:xfrm>
           <a:prstGeom prst="rect">
@@ -20316,7 +20327,7 @@
         </p:nvSpPr>
         <p:spPr>
           <a:xfrm>
-            <a:off x="6827062" y="1533735"/>
+            <a:off x="6972205" y="1294249"/>
             <a:ext cx="2530070" cy="1759480"/>
           </a:xfrm>
           <a:prstGeom prst="rect">
@@ -20394,12 +20405,17 @@
         </p:blipFill>
         <p:spPr>
           <a:xfrm>
-            <a:off x="819071" y="1390181"/>
-            <a:ext cx="5988147" cy="3315975"/>
+            <a:off x="11084" y="1148584"/>
+            <a:ext cx="7069516" cy="3994916"/>
           </a:xfrm>
           <a:prstGeom prst="rect">
             <a:avLst/>
           </a:prstGeom>
+          <a:ln>
+            <a:solidFill>
+              <a:schemeClr val="accent1"/>
+            </a:solidFill>
+          </a:ln>
         </p:spPr>
       </p:pic>
     </p:spTree>
@@ -20439,7 +20455,7 @@
         </p:nvSpPr>
         <p:spPr>
           <a:xfrm>
-            <a:off x="3801979" y="431006"/>
+            <a:off x="3801978" y="438263"/>
             <a:ext cx="1540042" cy="572700"/>
           </a:xfrm>
           <a:prstGeom prst="rect">
@@ -20488,7 +20504,7 @@
         </p:nvSpPr>
         <p:spPr>
           <a:xfrm>
-            <a:off x="-111642" y="1607030"/>
+            <a:off x="0" y="1470861"/>
             <a:ext cx="9214300" cy="738608"/>
           </a:xfrm>
           <a:prstGeom prst="rect">
@@ -20571,8 +20587,8 @@
         </p:blipFill>
         <p:spPr>
           <a:xfrm>
-            <a:off x="3244860" y="2345638"/>
-            <a:ext cx="2654279" cy="2287539"/>
+            <a:off x="3085204" y="1946496"/>
+            <a:ext cx="3467996" cy="2988825"/>
           </a:xfrm>
           <a:prstGeom prst="rect">
             <a:avLst/>
@@ -20609,6 +20625,36 @@
           <a:chExt cx="0" cy="0"/>
         </a:xfrm>
       </p:grpSpPr>
+      <p:pic>
+        <p:nvPicPr>
+          <p:cNvPr id="5" name="Picture 4" descr="Diagram&#10;&#10;Description automatically generated">
+            <a:extLst>
+              <a:ext uri="{FF2B5EF4-FFF2-40B4-BE49-F238E27FC236}">
+                <a16:creationId xmlns:a16="http://schemas.microsoft.com/office/drawing/2014/main" id="{A4BD01CE-A0B5-BF8F-82EA-AE7F8B68CC7E}"/>
+              </a:ext>
+            </a:extLst>
+          </p:cNvPr>
+          <p:cNvPicPr>
+            <a:picLocks noChangeAspect="1"/>
+          </p:cNvPicPr>
+          <p:nvPr/>
+        </p:nvPicPr>
+        <p:blipFill>
+          <a:blip r:embed="rId3"/>
+          <a:stretch>
+            <a:fillRect/>
+          </a:stretch>
+        </p:blipFill>
+        <p:spPr>
+          <a:xfrm>
+            <a:off x="0" y="2595751"/>
+            <a:ext cx="2981498" cy="2569546"/>
+          </a:xfrm>
+          <a:prstGeom prst="rect">
+            <a:avLst/>
+          </a:prstGeom>
+        </p:spPr>
+      </p:pic>
       <p:sp>
         <p:nvSpPr>
           <p:cNvPr id="917" name="Google Shape;917;p64"/>
@@ -20621,7 +20667,7 @@
         </p:nvSpPr>
         <p:spPr>
           <a:xfrm>
-            <a:off x="1292535" y="472257"/>
+            <a:off x="1270763" y="406943"/>
             <a:ext cx="4867634" cy="572700"/>
           </a:xfrm>
           <a:prstGeom prst="rect">
@@ -20673,7 +20719,7 @@
         </p:nvSpPr>
         <p:spPr>
           <a:xfrm>
-            <a:off x="1637414" y="1550186"/>
+            <a:off x="1637414" y="1302734"/>
             <a:ext cx="7506586" cy="2538032"/>
           </a:xfrm>
           <a:prstGeom prst="rect">
@@ -20801,36 +20847,6 @@
           </a:p>
         </p:txBody>
       </p:sp>
-      <p:pic>
-        <p:nvPicPr>
-          <p:cNvPr id="5" name="Picture 4" descr="Diagram&#10;&#10;Description automatically generated">
-            <a:extLst>
-              <a:ext uri="{FF2B5EF4-FFF2-40B4-BE49-F238E27FC236}">
-                <a16:creationId xmlns:a16="http://schemas.microsoft.com/office/drawing/2014/main" id="{A4BD01CE-A0B5-BF8F-82EA-AE7F8B68CC7E}"/>
-              </a:ext>
-            </a:extLst>
-          </p:cNvPr>
-          <p:cNvPicPr>
-            <a:picLocks noChangeAspect="1"/>
-          </p:cNvPicPr>
-          <p:nvPr/>
-        </p:nvPicPr>
-        <p:blipFill>
-          <a:blip r:embed="rId3"/>
-          <a:stretch>
-            <a:fillRect/>
-          </a:stretch>
-        </p:blipFill>
-        <p:spPr>
-          <a:xfrm>
-            <a:off x="150107" y="3000328"/>
-            <a:ext cx="2486767" cy="2143172"/>
-          </a:xfrm>
-          <a:prstGeom prst="rect">
-            <a:avLst/>
-          </a:prstGeom>
-        </p:spPr>
-      </p:pic>
     </p:spTree>
     <p:extLst>
       <p:ext uri="{BB962C8B-B14F-4D97-AF65-F5344CB8AC3E}">
@@ -20873,7 +20889,7 @@
         </p:nvSpPr>
         <p:spPr>
           <a:xfrm>
-            <a:off x="1933626" y="486434"/>
+            <a:off x="2064255" y="431147"/>
             <a:ext cx="4152130" cy="572700"/>
           </a:xfrm>
           <a:prstGeom prst="rect">
@@ -21312,7 +21328,7 @@
         </p:nvSpPr>
         <p:spPr>
           <a:xfrm>
-            <a:off x="3385909" y="517170"/>
+            <a:off x="3391126" y="444599"/>
             <a:ext cx="2361748" cy="572700"/>
           </a:xfrm>
           <a:prstGeom prst="rect">
@@ -21364,8 +21380,8 @@
         </p:nvSpPr>
         <p:spPr>
           <a:xfrm>
-            <a:off x="1933626" y="1441168"/>
-            <a:ext cx="6788858" cy="3185162"/>
+            <a:off x="297693" y="1277258"/>
+            <a:ext cx="8548613" cy="3109586"/>
           </a:xfrm>
           <a:prstGeom prst="rect">
             <a:avLst/>
@@ -21387,15 +21403,30 @@
               <a:buNone/>
             </a:pPr>
             <a:r>
-              <a:rPr lang="he-IL" sz="1600" dirty="0">
-                <a:latin typeface="Calibri" panose="020F0502020204030204" pitchFamily="34" charset="0"/>
+              <a:rPr lang="he-IL" sz="1800" dirty="0">
+                <a:latin typeface="Arial" panose="020B0604020202020204" pitchFamily="34" charset="0"/>
                 <a:ea typeface="Calibri" panose="020F0502020204030204" pitchFamily="34" charset="0"/>
                 <a:cs typeface="Arial" panose="020B0604020202020204" pitchFamily="34" charset="0"/>
               </a:rPr>
-              <a:t>מטרת המרגל היא להגיע ליעד מבלי להתפס, בכל צעד המודל חוזה את שדה התעופה הבא על בסיס המצב הנוכחי במשחק.</a:t>
+              <a:t>מטרת המרגל היא להגיע ליעד מבלי להיתפס.</a:t>
             </a:r>
-            <a:endParaRPr lang="en-US" sz="1600" dirty="0">
-              <a:latin typeface="Calibri" panose="020F0502020204030204" pitchFamily="34" charset="0"/>
+            <a:br>
+              <a:rPr lang="en-US" sz="1800" dirty="0">
+                <a:latin typeface="Arial" panose="020B0604020202020204" pitchFamily="34" charset="0"/>
+                <a:ea typeface="Calibri" panose="020F0502020204030204" pitchFamily="34" charset="0"/>
+                <a:cs typeface="Arial" panose="020B0604020202020204" pitchFamily="34" charset="0"/>
+              </a:rPr>
+            </a:br>
+            <a:r>
+              <a:rPr lang="he-IL" sz="1800" dirty="0">
+                <a:latin typeface="Arial" panose="020B0604020202020204" pitchFamily="34" charset="0"/>
+                <a:ea typeface="Calibri" panose="020F0502020204030204" pitchFamily="34" charset="0"/>
+                <a:cs typeface="Arial" panose="020B0604020202020204" pitchFamily="34" charset="0"/>
+              </a:rPr>
+              <a:t>בכל צעד המודל חוזה את שדה התעופה הבא על בסיס המצב הנוכחי במשחק.</a:t>
+            </a:r>
+            <a:endParaRPr lang="en-US" sz="1800" dirty="0">
+              <a:latin typeface="Arial" panose="020B0604020202020204" pitchFamily="34" charset="0"/>
               <a:ea typeface="Calibri" panose="020F0502020204030204" pitchFamily="34" charset="0"/>
               <a:cs typeface="Arial" panose="020B0604020202020204" pitchFamily="34" charset="0"/>
             </a:endParaRPr>
@@ -21411,8 +21442,8 @@
               <a:buNone/>
             </a:pPr>
             <a:r>
-              <a:rPr lang="en-US" sz="1600" u="sng" dirty="0">
-                <a:latin typeface="Calibri" panose="020F0502020204030204" pitchFamily="34" charset="0"/>
+              <a:rPr lang="en-US" sz="1800" u="sng" dirty="0">
+                <a:latin typeface="Arial" panose="020B0604020202020204" pitchFamily="34" charset="0"/>
                 <a:ea typeface="Calibri" panose="020F0502020204030204" pitchFamily="34" charset="0"/>
                 <a:cs typeface="Arial" panose="020B0604020202020204" pitchFamily="34" charset="0"/>
               </a:rPr>
@@ -21430,23 +21461,23 @@
               <a:buNone/>
             </a:pPr>
             <a:r>
-              <a:rPr lang="en-US" sz="1600" dirty="0">
-                <a:latin typeface="Calibri" panose="020F0502020204030204" pitchFamily="34" charset="0"/>
+              <a:rPr lang="en-US" sz="1800" dirty="0">
+                <a:latin typeface="Arial" panose="020B0604020202020204" pitchFamily="34" charset="0"/>
                 <a:ea typeface="Calibri" panose="020F0502020204030204" pitchFamily="34" charset="0"/>
                 <a:cs typeface="Arial" panose="020B0604020202020204" pitchFamily="34" charset="0"/>
               </a:rPr>
               <a:t>-1</a:t>
             </a:r>
             <a:r>
-              <a:rPr lang="he-IL" sz="1600" dirty="0">
-                <a:latin typeface="Calibri" panose="020F0502020204030204" pitchFamily="34" charset="0"/>
+              <a:rPr lang="he-IL" sz="1800" dirty="0">
+                <a:latin typeface="Arial" panose="020B0604020202020204" pitchFamily="34" charset="0"/>
                 <a:ea typeface="Calibri" panose="020F0502020204030204" pitchFamily="34" charset="0"/>
                 <a:cs typeface="Arial" panose="020B0604020202020204" pitchFamily="34" charset="0"/>
               </a:rPr>
               <a:t> : הפסד.</a:t>
             </a:r>
-            <a:endParaRPr lang="en-US" sz="1600" dirty="0">
-              <a:latin typeface="Calibri" panose="020F0502020204030204" pitchFamily="34" charset="0"/>
+            <a:endParaRPr lang="en-US" sz="1800" dirty="0">
+              <a:latin typeface="Arial" panose="020B0604020202020204" pitchFamily="34" charset="0"/>
               <a:ea typeface="Calibri" panose="020F0502020204030204" pitchFamily="34" charset="0"/>
               <a:cs typeface="Arial" panose="020B0604020202020204" pitchFamily="34" charset="0"/>
             </a:endParaRPr>
@@ -21462,12 +21493,28 @@
               <a:buNone/>
             </a:pPr>
             <a:r>
-              <a:rPr lang="he-IL" sz="1600" dirty="0">
-                <a:latin typeface="Calibri" panose="020F0502020204030204" pitchFamily="34" charset="0"/>
+              <a:rPr lang="he-IL" sz="1800" dirty="0">
+                <a:latin typeface="Arial" panose="020B0604020202020204" pitchFamily="34" charset="0"/>
                 <a:ea typeface="Calibri" panose="020F0502020204030204" pitchFamily="34" charset="0"/>
                 <a:cs typeface="Arial" panose="020B0604020202020204" pitchFamily="34" charset="0"/>
               </a:rPr>
-              <a:t>1 : נצחון.</a:t>
+              <a:t>1 : </a:t>
+            </a:r>
+            <a:r>
+              <a:rPr lang="en-US" sz="1800" dirty="0">
+                <a:latin typeface="Arial" panose="020B0604020202020204" pitchFamily="34" charset="0"/>
+                <a:ea typeface="Calibri" panose="020F0502020204030204" pitchFamily="34" charset="0"/>
+                <a:cs typeface="Arial" panose="020B0604020202020204" pitchFamily="34" charset="0"/>
+              </a:rPr>
+              <a:t> </a:t>
+            </a:r>
+            <a:r>
+              <a:rPr lang="he-IL" sz="1800" dirty="0">
+                <a:latin typeface="Arial" panose="020B0604020202020204" pitchFamily="34" charset="0"/>
+                <a:ea typeface="Calibri" panose="020F0502020204030204" pitchFamily="34" charset="0"/>
+                <a:cs typeface="Arial" panose="020B0604020202020204" pitchFamily="34" charset="0"/>
+              </a:rPr>
+              <a:t>ניצחון.</a:t>
             </a:r>
           </a:p>
           <a:p>
@@ -21481,16 +21528,16 @@
               <a:buNone/>
             </a:pPr>
             <a:r>
-              <a:rPr lang="en-US" sz="1600" dirty="0">
-                <a:latin typeface="Calibri" panose="020F0502020204030204" pitchFamily="34" charset="0"/>
+              <a:rPr lang="en-US" sz="1800" dirty="0">
+                <a:latin typeface="Arial" panose="020B0604020202020204" pitchFamily="34" charset="0"/>
                 <a:ea typeface="Calibri" panose="020F0502020204030204" pitchFamily="34" charset="0"/>
                 <a:cs typeface="Arial" panose="020B0604020202020204" pitchFamily="34" charset="0"/>
               </a:rPr>
               <a:t>-2</a:t>
             </a:r>
             <a:r>
-              <a:rPr lang="he-IL" sz="1600" dirty="0">
-                <a:latin typeface="Calibri" panose="020F0502020204030204" pitchFamily="34" charset="0"/>
+              <a:rPr lang="he-IL" sz="1800" dirty="0">
+                <a:latin typeface="Arial" panose="020B0604020202020204" pitchFamily="34" charset="0"/>
                 <a:ea typeface="Calibri" panose="020F0502020204030204" pitchFamily="34" charset="0"/>
                 <a:cs typeface="Arial" panose="020B0604020202020204" pitchFamily="34" charset="0"/>
               </a:rPr>
@@ -21508,8 +21555,8 @@
               <a:buNone/>
             </a:pPr>
             <a:r>
-              <a:rPr lang="he-IL" sz="1600" dirty="0">
-                <a:latin typeface="Calibri" panose="020F0502020204030204" pitchFamily="34" charset="0"/>
+              <a:rPr lang="he-IL" sz="1800" dirty="0">
+                <a:latin typeface="Arial" panose="020B0604020202020204" pitchFamily="34" charset="0"/>
                 <a:ea typeface="Calibri" panose="020F0502020204030204" pitchFamily="34" charset="0"/>
                 <a:cs typeface="Arial" panose="020B0604020202020204" pitchFamily="34" charset="0"/>
               </a:rPr>
@@ -21531,24 +21578,24 @@
               <a:buChar char="v"/>
             </a:pPr>
             <a:r>
-              <a:rPr lang="en-US" sz="1600" dirty="0">
-                <a:latin typeface="Calibri" panose="020F0502020204030204" pitchFamily="34" charset="0"/>
+              <a:rPr lang="en-US" sz="1800" dirty="0">
+                <a:latin typeface="Arial" panose="020B0604020202020204" pitchFamily="34" charset="0"/>
                 <a:ea typeface="Calibri" panose="020F0502020204030204" pitchFamily="34" charset="0"/>
                 <a:cs typeface="Arial" panose="020B0604020202020204" pitchFamily="34" charset="0"/>
               </a:rPr>
               <a:t>-0.1</a:t>
             </a:r>
             <a:r>
-              <a:rPr lang="he-IL" sz="1600" dirty="0">
-                <a:latin typeface="Calibri" panose="020F0502020204030204" pitchFamily="34" charset="0"/>
+              <a:rPr lang="he-IL" sz="1800" dirty="0">
+                <a:latin typeface="Arial" panose="020B0604020202020204" pitchFamily="34" charset="0"/>
                 <a:ea typeface="Calibri" panose="020F0502020204030204" pitchFamily="34" charset="0"/>
                 <a:cs typeface="Arial" panose="020B0604020202020204" pitchFamily="34" charset="0"/>
               </a:rPr>
               <a:t> : כאשר המרגל מרחק צעד מהמטרה, אך ביצע צעד שונה.</a:t>
             </a:r>
-            <a:endParaRPr lang="he-IL" sz="1600" dirty="0">
+            <a:endParaRPr lang="he-IL" sz="1800" dirty="0">
               <a:effectLst/>
-              <a:latin typeface="Calibri" panose="020F0502020204030204" pitchFamily="34" charset="0"/>
+              <a:latin typeface="Arial" panose="020B0604020202020204" pitchFamily="34" charset="0"/>
               <a:ea typeface="Calibri" panose="020F0502020204030204" pitchFamily="34" charset="0"/>
               <a:cs typeface="Arial" panose="020B0604020202020204" pitchFamily="34" charset="0"/>
             </a:endParaRPr>
@@ -21568,189 +21615,52 @@
               <a:buChar char="v"/>
             </a:pPr>
             <a:r>
-              <a:rPr lang="en-US" sz="1600" dirty="0">
-                <a:latin typeface="Calibri" panose="020F0502020204030204" pitchFamily="34" charset="0"/>
+              <a:rPr lang="en-US" sz="1800" dirty="0">
+                <a:latin typeface="Arial" panose="020B0604020202020204" pitchFamily="34" charset="0"/>
                 <a:ea typeface="Calibri" panose="020F0502020204030204" pitchFamily="34" charset="0"/>
                 <a:cs typeface="Arial" panose="020B0604020202020204" pitchFamily="34" charset="0"/>
               </a:rPr>
               <a:t>-0.1</a:t>
             </a:r>
             <a:r>
-              <a:rPr lang="he-IL" sz="1600" dirty="0">
-                <a:latin typeface="Calibri" panose="020F0502020204030204" pitchFamily="34" charset="0"/>
+              <a:rPr lang="he-IL" sz="1800" dirty="0">
+                <a:latin typeface="Arial" panose="020B0604020202020204" pitchFamily="34" charset="0"/>
                 <a:ea typeface="Calibri" panose="020F0502020204030204" pitchFamily="34" charset="0"/>
                 <a:cs typeface="Arial" panose="020B0604020202020204" pitchFamily="34" charset="0"/>
               </a:rPr>
-              <a:t> : כאשר הצעד הנוכחי של המרגל קירב אותו למרחק של צעד אחד מאחד הסוכנים.</a:t>
+              <a:t> : כאשר הצעד הנוכחי של המרגל קירב אותו למרחק</a:t>
             </a:r>
-            <a:endParaRPr lang="he-IL" sz="1600" dirty="0">
-              <a:effectLst/>
-              <a:latin typeface="Calibri" panose="020F0502020204030204" pitchFamily="34" charset="0"/>
-              <a:ea typeface="Calibri" panose="020F0502020204030204" pitchFamily="34" charset="0"/>
-              <a:cs typeface="Arial" panose="020B0604020202020204" pitchFamily="34" charset="0"/>
-            </a:endParaRPr>
-          </a:p>
-          <a:p>
-            <a:pPr marL="0" indent="0" algn="r" rtl="1">
-              <a:lnSpc>
-                <a:spcPct val="107000"/>
-              </a:lnSpc>
-              <a:spcAft>
-                <a:spcPts val="800"/>
-              </a:spcAft>
-              <a:buNone/>
-            </a:pPr>
-            <a:endParaRPr lang="en-US" sz="1600" dirty="0">
-              <a:latin typeface="Calibri" panose="020F0502020204030204" pitchFamily="34" charset="0"/>
-              <a:ea typeface="Calibri" panose="020F0502020204030204" pitchFamily="34" charset="0"/>
-              <a:cs typeface="Arial" panose="020B0604020202020204" pitchFamily="34" charset="0"/>
-            </a:endParaRPr>
-          </a:p>
-          <a:p>
-            <a:pPr marL="0" indent="0" algn="r" rtl="1">
-              <a:lnSpc>
-                <a:spcPct val="107000"/>
-              </a:lnSpc>
-              <a:spcAft>
-                <a:spcPts val="800"/>
-              </a:spcAft>
-              <a:buNone/>
-            </a:pPr>
-            <a:endParaRPr lang="he-IL" sz="1600" dirty="0">
-              <a:latin typeface="Calibri" panose="020F0502020204030204" pitchFamily="34" charset="0"/>
-              <a:ea typeface="Calibri" panose="020F0502020204030204" pitchFamily="34" charset="0"/>
-              <a:cs typeface="Arial" panose="020B0604020202020204" pitchFamily="34" charset="0"/>
-            </a:endParaRPr>
-          </a:p>
-          <a:p>
-            <a:pPr marL="0" indent="0" algn="r" rtl="1">
-              <a:lnSpc>
-                <a:spcPct val="107000"/>
-              </a:lnSpc>
-              <a:spcAft>
-                <a:spcPts val="800"/>
-              </a:spcAft>
-              <a:buNone/>
-            </a:pPr>
-            <a:endParaRPr lang="en-US" sz="1600" dirty="0">
-              <a:latin typeface="Calibri" panose="020F0502020204030204" pitchFamily="34" charset="0"/>
-              <a:ea typeface="Calibri" panose="020F0502020204030204" pitchFamily="34" charset="0"/>
-              <a:cs typeface="Arial" panose="020B0604020202020204" pitchFamily="34" charset="0"/>
-            </a:endParaRPr>
-          </a:p>
-          <a:p>
-            <a:pPr marL="457200" lvl="1" indent="0" algn="r" rtl="1">
-              <a:lnSpc>
-                <a:spcPct val="107000"/>
-              </a:lnSpc>
-              <a:spcBef>
-                <a:spcPts val="0"/>
-              </a:spcBef>
-              <a:spcAft>
-                <a:spcPts val="800"/>
-              </a:spcAft>
-              <a:buNone/>
-            </a:pPr>
-            <a:endParaRPr lang="he-IL" sz="1800" dirty="0">
-              <a:latin typeface="Calibri" panose="020F0502020204030204" pitchFamily="34" charset="0"/>
-              <a:ea typeface="Calibri" panose="020F0502020204030204" pitchFamily="34" charset="0"/>
-              <a:cs typeface="Arial" panose="020B0604020202020204" pitchFamily="34" charset="0"/>
-            </a:endParaRPr>
-          </a:p>
-          <a:p>
-            <a:pPr marL="457200" lvl="1" indent="0" algn="r" rtl="1">
-              <a:lnSpc>
-                <a:spcPct val="107000"/>
-              </a:lnSpc>
-              <a:spcBef>
-                <a:spcPts val="0"/>
-              </a:spcBef>
-              <a:spcAft>
-                <a:spcPts val="800"/>
-              </a:spcAft>
-              <a:buNone/>
-            </a:pPr>
-            <a:endParaRPr lang="he-IL" sz="1800" dirty="0">
-              <a:latin typeface="Calibri" panose="020F0502020204030204" pitchFamily="34" charset="0"/>
-              <a:ea typeface="Calibri" panose="020F0502020204030204" pitchFamily="34" charset="0"/>
-              <a:cs typeface="Arial" panose="020B0604020202020204" pitchFamily="34" charset="0"/>
-            </a:endParaRPr>
-          </a:p>
-          <a:p>
-            <a:pPr marL="914400" lvl="2" indent="0" algn="r" rtl="1">
-              <a:lnSpc>
-                <a:spcPct val="107000"/>
-              </a:lnSpc>
-              <a:spcBef>
-                <a:spcPts val="0"/>
-              </a:spcBef>
-              <a:spcAft>
-                <a:spcPts val="800"/>
-              </a:spcAft>
-              <a:buNone/>
-            </a:pPr>
-            <a:endParaRPr lang="he-IL" sz="1800" dirty="0">
-              <a:effectLst/>
-              <a:latin typeface="Calibri" panose="020F0502020204030204" pitchFamily="34" charset="0"/>
-              <a:ea typeface="Calibri" panose="020F0502020204030204" pitchFamily="34" charset="0"/>
-              <a:cs typeface="Arial" panose="020B0604020202020204" pitchFamily="34" charset="0"/>
-            </a:endParaRPr>
-          </a:p>
-          <a:p>
-            <a:pPr marL="1200150" lvl="2" indent="-285750" algn="r" rtl="1">
-              <a:lnSpc>
-                <a:spcPct val="107000"/>
-              </a:lnSpc>
-              <a:spcBef>
-                <a:spcPts val="0"/>
-              </a:spcBef>
-              <a:spcAft>
-                <a:spcPts val="800"/>
-              </a:spcAft>
-              <a:buFont typeface="Courier New" panose="02070309020205020404" pitchFamily="49" charset="0"/>
-              <a:buChar char="o"/>
-            </a:pPr>
-            <a:endParaRPr lang="he-IL" sz="1800" dirty="0">
-              <a:effectLst/>
-              <a:latin typeface="Calibri" panose="020F0502020204030204" pitchFamily="34" charset="0"/>
-              <a:ea typeface="Calibri" panose="020F0502020204030204" pitchFamily="34" charset="0"/>
-              <a:cs typeface="Arial" panose="020B0604020202020204" pitchFamily="34" charset="0"/>
-            </a:endParaRPr>
-          </a:p>
-          <a:p>
-            <a:pPr marL="914400" lvl="2" indent="0" algn="r" rtl="1">
-              <a:lnSpc>
-                <a:spcPct val="107000"/>
-              </a:lnSpc>
-              <a:spcBef>
-                <a:spcPts val="0"/>
-              </a:spcBef>
-              <a:spcAft>
-                <a:spcPts val="800"/>
-              </a:spcAft>
-              <a:buNone/>
-            </a:pPr>
-            <a:endParaRPr lang="en-US" sz="1800" dirty="0">
-              <a:effectLst/>
-              <a:latin typeface="Calibri" panose="020F0502020204030204" pitchFamily="34" charset="0"/>
-              <a:ea typeface="Calibri" panose="020F0502020204030204" pitchFamily="34" charset="0"/>
-              <a:cs typeface="Arial" panose="020B0604020202020204" pitchFamily="34" charset="0"/>
-            </a:endParaRPr>
-          </a:p>
-          <a:p>
-            <a:pPr marL="742950" marR="0" lvl="1" indent="-285750" algn="r" rtl="1">
-              <a:lnSpc>
-                <a:spcPct val="107000"/>
-              </a:lnSpc>
-              <a:spcBef>
-                <a:spcPts val="0"/>
-              </a:spcBef>
-              <a:spcAft>
-                <a:spcPts val="800"/>
-              </a:spcAft>
-              <a:buFont typeface="Courier New" panose="02070309020205020404" pitchFamily="49" charset="0"/>
-              <a:buChar char="o"/>
-            </a:pPr>
+            <a:br>
+              <a:rPr lang="en-US" sz="1800" dirty="0">
+                <a:latin typeface="Arial" panose="020B0604020202020204" pitchFamily="34" charset="0"/>
+                <a:ea typeface="Calibri" panose="020F0502020204030204" pitchFamily="34" charset="0"/>
+                <a:cs typeface="Arial" panose="020B0604020202020204" pitchFamily="34" charset="0"/>
+              </a:rPr>
+            </a:br>
+            <a:r>
+              <a:rPr lang="he-IL" sz="1800" dirty="0">
+                <a:latin typeface="Arial" panose="020B0604020202020204" pitchFamily="34" charset="0"/>
+                <a:ea typeface="Calibri" panose="020F0502020204030204" pitchFamily="34" charset="0"/>
+                <a:cs typeface="Arial" panose="020B0604020202020204" pitchFamily="34" charset="0"/>
+              </a:rPr>
+              <a:t> של צעד אחד</a:t>
+            </a:r>
+            <a:r>
+              <a:rPr lang="en-US" sz="1800" dirty="0">
+                <a:latin typeface="Arial" panose="020B0604020202020204" pitchFamily="34" charset="0"/>
+                <a:ea typeface="Calibri" panose="020F0502020204030204" pitchFamily="34" charset="0"/>
+                <a:cs typeface="Arial" panose="020B0604020202020204" pitchFamily="34" charset="0"/>
+              </a:rPr>
+              <a:t> </a:t>
+            </a:r>
+            <a:r>
+              <a:rPr lang="he-IL" sz="1800" dirty="0">
+                <a:latin typeface="Arial" panose="020B0604020202020204" pitchFamily="34" charset="0"/>
+                <a:ea typeface="Calibri" panose="020F0502020204030204" pitchFamily="34" charset="0"/>
+                <a:cs typeface="Arial" panose="020B0604020202020204" pitchFamily="34" charset="0"/>
+              </a:rPr>
+              <a:t>מאחד הסוכנים.</a:t>
+            </a:r>
             <a:endParaRPr lang="he-IL" sz="1800" dirty="0">
               <a:effectLst/>
               <a:latin typeface="Calibri" panose="020F0502020204030204" pitchFamily="34" charset="0"/>
@@ -21859,7 +21769,7 @@
         </p:nvSpPr>
         <p:spPr>
           <a:xfrm>
-            <a:off x="2781620" y="517170"/>
+            <a:off x="3088981" y="454468"/>
             <a:ext cx="2966037" cy="572700"/>
           </a:xfrm>
           <a:prstGeom prst="rect">
@@ -21911,8 +21821,8 @@
         </p:nvSpPr>
         <p:spPr>
           <a:xfrm>
-            <a:off x="1933626" y="1441168"/>
-            <a:ext cx="6788858" cy="3185162"/>
+            <a:off x="903316" y="1294864"/>
+            <a:ext cx="7934121" cy="3185162"/>
           </a:xfrm>
           <a:prstGeom prst="rect">
             <a:avLst/>
@@ -21934,15 +21844,30 @@
               <a:buNone/>
             </a:pPr>
             <a:r>
-              <a:rPr lang="he-IL" sz="1600" dirty="0">
-                <a:latin typeface="Calibri" panose="020F0502020204030204" pitchFamily="34" charset="0"/>
+              <a:rPr lang="he-IL" sz="1800" dirty="0">
+                <a:latin typeface="Arial" panose="020B0604020202020204" pitchFamily="34" charset="0"/>
                 <a:ea typeface="Calibri" panose="020F0502020204030204" pitchFamily="34" charset="0"/>
                 <a:cs typeface="Arial" panose="020B0604020202020204" pitchFamily="34" charset="0"/>
               </a:rPr>
-              <a:t>מטרת הסוכנים היא לתפוס את המרגל, בכל צעד המודל חוזה את שני שדות התעופה הבאים על בסיס המצב הנוכחי במשחק.</a:t>
+              <a:t>מטרת הסוכנים היא לתפוס את המרגל.</a:t>
             </a:r>
-            <a:endParaRPr lang="en-US" sz="1600" dirty="0">
-              <a:latin typeface="Calibri" panose="020F0502020204030204" pitchFamily="34" charset="0"/>
+            <a:br>
+              <a:rPr lang="en-US" sz="1800" dirty="0">
+                <a:latin typeface="Arial" panose="020B0604020202020204" pitchFamily="34" charset="0"/>
+                <a:ea typeface="Calibri" panose="020F0502020204030204" pitchFamily="34" charset="0"/>
+                <a:cs typeface="Arial" panose="020B0604020202020204" pitchFamily="34" charset="0"/>
+              </a:rPr>
+            </a:br>
+            <a:r>
+              <a:rPr lang="he-IL" sz="1800" dirty="0">
+                <a:latin typeface="Arial" panose="020B0604020202020204" pitchFamily="34" charset="0"/>
+                <a:ea typeface="Calibri" panose="020F0502020204030204" pitchFamily="34" charset="0"/>
+                <a:cs typeface="Arial" panose="020B0604020202020204" pitchFamily="34" charset="0"/>
+              </a:rPr>
+              <a:t>בכל צעד המודל חוזה את שני שדות התעופה הבאים על בסיס המצב הנוכחי במשחק.</a:t>
+            </a:r>
+            <a:endParaRPr lang="en-US" sz="1800" dirty="0">
+              <a:latin typeface="Arial" panose="020B0604020202020204" pitchFamily="34" charset="0"/>
               <a:ea typeface="Calibri" panose="020F0502020204030204" pitchFamily="34" charset="0"/>
               <a:cs typeface="Arial" panose="020B0604020202020204" pitchFamily="34" charset="0"/>
             </a:endParaRPr>
@@ -21959,7 +21884,7 @@
             </a:pPr>
             <a:r>
               <a:rPr lang="en-US" sz="1800" u="sng" dirty="0">
-                <a:latin typeface="Calibri" panose="020F0502020204030204" pitchFamily="34" charset="0"/>
+                <a:latin typeface="Arial" panose="020B0604020202020204" pitchFamily="34" charset="0"/>
                 <a:ea typeface="Calibri" panose="020F0502020204030204" pitchFamily="34" charset="0"/>
                 <a:cs typeface="Arial" panose="020B0604020202020204" pitchFamily="34" charset="0"/>
               </a:rPr>
@@ -21977,23 +21902,23 @@
               <a:buNone/>
             </a:pPr>
             <a:r>
-              <a:rPr lang="en-US" sz="1600" dirty="0">
-                <a:latin typeface="Calibri" panose="020F0502020204030204" pitchFamily="34" charset="0"/>
+              <a:rPr lang="en-US" sz="1800" dirty="0">
+                <a:latin typeface="Arial" panose="020B0604020202020204" pitchFamily="34" charset="0"/>
                 <a:ea typeface="Calibri" panose="020F0502020204030204" pitchFamily="34" charset="0"/>
                 <a:cs typeface="Arial" panose="020B0604020202020204" pitchFamily="34" charset="0"/>
               </a:rPr>
               <a:t>-1</a:t>
             </a:r>
             <a:r>
-              <a:rPr lang="he-IL" sz="1600" dirty="0">
-                <a:latin typeface="Calibri" panose="020F0502020204030204" pitchFamily="34" charset="0"/>
+              <a:rPr lang="he-IL" sz="1800" dirty="0">
+                <a:latin typeface="Arial" panose="020B0604020202020204" pitchFamily="34" charset="0"/>
                 <a:ea typeface="Calibri" panose="020F0502020204030204" pitchFamily="34" charset="0"/>
                 <a:cs typeface="Arial" panose="020B0604020202020204" pitchFamily="34" charset="0"/>
               </a:rPr>
               <a:t> : הפסד.</a:t>
             </a:r>
-            <a:endParaRPr lang="en-US" sz="1600" dirty="0">
-              <a:latin typeface="Calibri" panose="020F0502020204030204" pitchFamily="34" charset="0"/>
+            <a:endParaRPr lang="en-US" sz="1800" dirty="0">
+              <a:latin typeface="Arial" panose="020B0604020202020204" pitchFamily="34" charset="0"/>
               <a:ea typeface="Calibri" panose="020F0502020204030204" pitchFamily="34" charset="0"/>
               <a:cs typeface="Arial" panose="020B0604020202020204" pitchFamily="34" charset="0"/>
             </a:endParaRPr>
@@ -22009,12 +21934,28 @@
               <a:buNone/>
             </a:pPr>
             <a:r>
-              <a:rPr lang="he-IL" sz="1600" dirty="0">
-                <a:latin typeface="Calibri" panose="020F0502020204030204" pitchFamily="34" charset="0"/>
+              <a:rPr lang="he-IL" sz="1800" dirty="0">
+                <a:latin typeface="Arial" panose="020B0604020202020204" pitchFamily="34" charset="0"/>
                 <a:ea typeface="Calibri" panose="020F0502020204030204" pitchFamily="34" charset="0"/>
                 <a:cs typeface="Arial" panose="020B0604020202020204" pitchFamily="34" charset="0"/>
               </a:rPr>
-              <a:t>1 : נצחון.</a:t>
+              <a:t>1 : </a:t>
+            </a:r>
+            <a:r>
+              <a:rPr lang="en-US" sz="1800" dirty="0">
+                <a:latin typeface="Arial" panose="020B0604020202020204" pitchFamily="34" charset="0"/>
+                <a:ea typeface="Calibri" panose="020F0502020204030204" pitchFamily="34" charset="0"/>
+                <a:cs typeface="Arial" panose="020B0604020202020204" pitchFamily="34" charset="0"/>
+              </a:rPr>
+              <a:t> </a:t>
+            </a:r>
+            <a:r>
+              <a:rPr lang="he-IL" sz="1800" dirty="0">
+                <a:latin typeface="Arial" panose="020B0604020202020204" pitchFamily="34" charset="0"/>
+                <a:ea typeface="Calibri" panose="020F0502020204030204" pitchFamily="34" charset="0"/>
+                <a:cs typeface="Arial" panose="020B0604020202020204" pitchFamily="34" charset="0"/>
+              </a:rPr>
+              <a:t>ניצחון.</a:t>
             </a:r>
           </a:p>
           <a:p>
@@ -22028,16 +21969,16 @@
               <a:buNone/>
             </a:pPr>
             <a:r>
-              <a:rPr lang="en-US" sz="1600" dirty="0">
-                <a:latin typeface="Calibri" panose="020F0502020204030204" pitchFamily="34" charset="0"/>
+              <a:rPr lang="en-US" sz="1800" dirty="0">
+                <a:latin typeface="Arial" panose="020B0604020202020204" pitchFamily="34" charset="0"/>
                 <a:ea typeface="Calibri" panose="020F0502020204030204" pitchFamily="34" charset="0"/>
                 <a:cs typeface="Arial" panose="020B0604020202020204" pitchFamily="34" charset="0"/>
               </a:rPr>
               <a:t>-2</a:t>
             </a:r>
             <a:r>
-              <a:rPr lang="he-IL" sz="1600" dirty="0">
-                <a:latin typeface="Calibri" panose="020F0502020204030204" pitchFamily="34" charset="0"/>
+              <a:rPr lang="he-IL" sz="1800" dirty="0">
+                <a:latin typeface="Arial" panose="020B0604020202020204" pitchFamily="34" charset="0"/>
                 <a:ea typeface="Calibri" panose="020F0502020204030204" pitchFamily="34" charset="0"/>
                 <a:cs typeface="Arial" panose="020B0604020202020204" pitchFamily="34" charset="0"/>
               </a:rPr>
@@ -22055,8 +21996,8 @@
               <a:buNone/>
             </a:pPr>
             <a:r>
-              <a:rPr lang="he-IL" sz="1600" dirty="0">
-                <a:latin typeface="Calibri" panose="020F0502020204030204" pitchFamily="34" charset="0"/>
+              <a:rPr lang="he-IL" sz="1800" dirty="0">
+                <a:latin typeface="Arial" panose="020B0604020202020204" pitchFamily="34" charset="0"/>
                 <a:ea typeface="Calibri" panose="020F0502020204030204" pitchFamily="34" charset="0"/>
                 <a:cs typeface="Arial" panose="020B0604020202020204" pitchFamily="34" charset="0"/>
               </a:rPr>
@@ -22078,24 +22019,24 @@
               <a:buChar char="v"/>
             </a:pPr>
             <a:r>
-              <a:rPr lang="en-US" sz="1600" dirty="0">
-                <a:latin typeface="Calibri" panose="020F0502020204030204" pitchFamily="34" charset="0"/>
+              <a:rPr lang="en-US" sz="1800" dirty="0">
+                <a:latin typeface="Arial" panose="020B0604020202020204" pitchFamily="34" charset="0"/>
                 <a:ea typeface="Calibri" panose="020F0502020204030204" pitchFamily="34" charset="0"/>
                 <a:cs typeface="Arial" panose="020B0604020202020204" pitchFamily="34" charset="0"/>
               </a:rPr>
               <a:t>-0.1</a:t>
             </a:r>
             <a:r>
-              <a:rPr lang="he-IL" sz="1600" dirty="0">
-                <a:latin typeface="Calibri" panose="020F0502020204030204" pitchFamily="34" charset="0"/>
+              <a:rPr lang="he-IL" sz="1800" dirty="0">
+                <a:latin typeface="Arial" panose="020B0604020202020204" pitchFamily="34" charset="0"/>
                 <a:ea typeface="Calibri" panose="020F0502020204030204" pitchFamily="34" charset="0"/>
                 <a:cs typeface="Arial" panose="020B0604020202020204" pitchFamily="34" charset="0"/>
               </a:rPr>
               <a:t> : כאשר שני הסוכנים בחרו את אותו הצעד.</a:t>
             </a:r>
-            <a:endParaRPr lang="he-IL" sz="1600" dirty="0">
+            <a:endParaRPr lang="he-IL" sz="1800" dirty="0">
               <a:effectLst/>
-              <a:latin typeface="Calibri" panose="020F0502020204030204" pitchFamily="34" charset="0"/>
+              <a:latin typeface="Arial" panose="020B0604020202020204" pitchFamily="34" charset="0"/>
               <a:ea typeface="Calibri" panose="020F0502020204030204" pitchFamily="34" charset="0"/>
               <a:cs typeface="Arial" panose="020B0604020202020204" pitchFamily="34" charset="0"/>
             </a:endParaRPr>
@@ -22115,171 +22056,24 @@
               <a:buChar char="v"/>
             </a:pPr>
             <a:r>
-              <a:rPr lang="en-US" sz="1600" dirty="0">
-                <a:latin typeface="Calibri" panose="020F0502020204030204" pitchFamily="34" charset="0"/>
+              <a:rPr lang="en-US" sz="1800" dirty="0">
+                <a:latin typeface="Arial" panose="020B0604020202020204" pitchFamily="34" charset="0"/>
                 <a:ea typeface="Calibri" panose="020F0502020204030204" pitchFamily="34" charset="0"/>
                 <a:cs typeface="Arial" panose="020B0604020202020204" pitchFamily="34" charset="0"/>
               </a:rPr>
               <a:t>-0.1</a:t>
             </a:r>
             <a:r>
-              <a:rPr lang="he-IL" sz="1600" dirty="0">
-                <a:latin typeface="Calibri" panose="020F0502020204030204" pitchFamily="34" charset="0"/>
+              <a:rPr lang="he-IL" sz="1800" dirty="0">
+                <a:latin typeface="Arial" panose="020B0604020202020204" pitchFamily="34" charset="0"/>
                 <a:ea typeface="Calibri" panose="020F0502020204030204" pitchFamily="34" charset="0"/>
                 <a:cs typeface="Arial" panose="020B0604020202020204" pitchFamily="34" charset="0"/>
               </a:rPr>
               <a:t> : כאשר סוכן היה במרחק צעד מהמרגל אך ביצע צעד שונה.</a:t>
             </a:r>
-            <a:endParaRPr lang="he-IL" sz="1600" dirty="0">
-              <a:effectLst/>
-              <a:latin typeface="Calibri" panose="020F0502020204030204" pitchFamily="34" charset="0"/>
-              <a:ea typeface="Calibri" panose="020F0502020204030204" pitchFamily="34" charset="0"/>
-              <a:cs typeface="Arial" panose="020B0604020202020204" pitchFamily="34" charset="0"/>
-            </a:endParaRPr>
-          </a:p>
-          <a:p>
-            <a:pPr marL="0" indent="0" algn="r" rtl="1">
-              <a:lnSpc>
-                <a:spcPct val="107000"/>
-              </a:lnSpc>
-              <a:spcAft>
-                <a:spcPts val="800"/>
-              </a:spcAft>
-              <a:buNone/>
-            </a:pPr>
-            <a:endParaRPr lang="en-US" sz="1600" dirty="0">
-              <a:latin typeface="Calibri" panose="020F0502020204030204" pitchFamily="34" charset="0"/>
-              <a:ea typeface="Calibri" panose="020F0502020204030204" pitchFamily="34" charset="0"/>
-              <a:cs typeface="Arial" panose="020B0604020202020204" pitchFamily="34" charset="0"/>
-            </a:endParaRPr>
-          </a:p>
-          <a:p>
-            <a:pPr marL="0" indent="0" algn="r" rtl="1">
-              <a:lnSpc>
-                <a:spcPct val="107000"/>
-              </a:lnSpc>
-              <a:spcAft>
-                <a:spcPts val="800"/>
-              </a:spcAft>
-              <a:buNone/>
-            </a:pPr>
-            <a:endParaRPr lang="he-IL" sz="1600" dirty="0">
-              <a:latin typeface="Calibri" panose="020F0502020204030204" pitchFamily="34" charset="0"/>
-              <a:ea typeface="Calibri" panose="020F0502020204030204" pitchFamily="34" charset="0"/>
-              <a:cs typeface="Arial" panose="020B0604020202020204" pitchFamily="34" charset="0"/>
-            </a:endParaRPr>
-          </a:p>
-          <a:p>
-            <a:pPr marL="0" indent="0" algn="r" rtl="1">
-              <a:lnSpc>
-                <a:spcPct val="107000"/>
-              </a:lnSpc>
-              <a:spcAft>
-                <a:spcPts val="800"/>
-              </a:spcAft>
-              <a:buNone/>
-            </a:pPr>
-            <a:endParaRPr lang="en-US" sz="1600" dirty="0">
-              <a:latin typeface="Calibri" panose="020F0502020204030204" pitchFamily="34" charset="0"/>
-              <a:ea typeface="Calibri" panose="020F0502020204030204" pitchFamily="34" charset="0"/>
-              <a:cs typeface="Arial" panose="020B0604020202020204" pitchFamily="34" charset="0"/>
-            </a:endParaRPr>
-          </a:p>
-          <a:p>
-            <a:pPr marL="457200" lvl="1" indent="0" algn="r" rtl="1">
-              <a:lnSpc>
-                <a:spcPct val="107000"/>
-              </a:lnSpc>
-              <a:spcBef>
-                <a:spcPts val="0"/>
-              </a:spcBef>
-              <a:spcAft>
-                <a:spcPts val="800"/>
-              </a:spcAft>
-              <a:buNone/>
-            </a:pPr>
-            <a:endParaRPr lang="he-IL" sz="1800" dirty="0">
-              <a:latin typeface="Calibri" panose="020F0502020204030204" pitchFamily="34" charset="0"/>
-              <a:ea typeface="Calibri" panose="020F0502020204030204" pitchFamily="34" charset="0"/>
-              <a:cs typeface="Arial" panose="020B0604020202020204" pitchFamily="34" charset="0"/>
-            </a:endParaRPr>
-          </a:p>
-          <a:p>
-            <a:pPr marL="457200" lvl="1" indent="0" algn="r" rtl="1">
-              <a:lnSpc>
-                <a:spcPct val="107000"/>
-              </a:lnSpc>
-              <a:spcBef>
-                <a:spcPts val="0"/>
-              </a:spcBef>
-              <a:spcAft>
-                <a:spcPts val="800"/>
-              </a:spcAft>
-              <a:buNone/>
-            </a:pPr>
-            <a:endParaRPr lang="he-IL" sz="1800" dirty="0">
-              <a:latin typeface="Calibri" panose="020F0502020204030204" pitchFamily="34" charset="0"/>
-              <a:ea typeface="Calibri" panose="020F0502020204030204" pitchFamily="34" charset="0"/>
-              <a:cs typeface="Arial" panose="020B0604020202020204" pitchFamily="34" charset="0"/>
-            </a:endParaRPr>
-          </a:p>
-          <a:p>
-            <a:pPr marL="914400" lvl="2" indent="0" algn="r" rtl="1">
-              <a:lnSpc>
-                <a:spcPct val="107000"/>
-              </a:lnSpc>
-              <a:spcBef>
-                <a:spcPts val="0"/>
-              </a:spcBef>
-              <a:spcAft>
-                <a:spcPts val="800"/>
-              </a:spcAft>
-              <a:buNone/>
-            </a:pPr>
             <a:endParaRPr lang="he-IL" sz="1800" dirty="0">
               <a:effectLst/>
-              <a:latin typeface="Calibri" panose="020F0502020204030204" pitchFamily="34" charset="0"/>
-              <a:ea typeface="Calibri" panose="020F0502020204030204" pitchFamily="34" charset="0"/>
-              <a:cs typeface="Arial" panose="020B0604020202020204" pitchFamily="34" charset="0"/>
-            </a:endParaRPr>
-          </a:p>
-          <a:p>
-            <a:pPr marL="1200150" lvl="2" indent="-285750" algn="r" rtl="1">
-              <a:lnSpc>
-                <a:spcPct val="107000"/>
-              </a:lnSpc>
-              <a:spcBef>
-                <a:spcPts val="0"/>
-              </a:spcBef>
-              <a:spcAft>
-                <a:spcPts val="800"/>
-              </a:spcAft>
-              <a:buFont typeface="Courier New" panose="02070309020205020404" pitchFamily="49" charset="0"/>
-              <a:buChar char="o"/>
-            </a:pPr>
-            <a:endParaRPr lang="he-IL" sz="1800" dirty="0">
-              <a:effectLst/>
-              <a:latin typeface="Calibri" panose="020F0502020204030204" pitchFamily="34" charset="0"/>
-              <a:ea typeface="Calibri" panose="020F0502020204030204" pitchFamily="34" charset="0"/>
-              <a:cs typeface="Arial" panose="020B0604020202020204" pitchFamily="34" charset="0"/>
-            </a:endParaRPr>
-          </a:p>
-          <a:p>
-            <a:pPr marL="914400" lvl="2" indent="0" algn="r" rtl="1">
-              <a:lnSpc>
-                <a:spcPct val="107000"/>
-              </a:lnSpc>
-              <a:spcBef>
-                <a:spcPts val="0"/>
-              </a:spcBef>
-              <a:spcAft>
-                <a:spcPts val="800"/>
-              </a:spcAft>
-              <a:buNone/>
-            </a:pPr>
-            <a:endParaRPr lang="en-US" sz="1800" dirty="0">
-              <a:effectLst/>
-              <a:latin typeface="Calibri" panose="020F0502020204030204" pitchFamily="34" charset="0"/>
+              <a:latin typeface="Arial" panose="020B0604020202020204" pitchFamily="34" charset="0"/>
               <a:ea typeface="Calibri" panose="020F0502020204030204" pitchFamily="34" charset="0"/>
               <a:cs typeface="Arial" panose="020B0604020202020204" pitchFamily="34" charset="0"/>
             </a:endParaRPr>
@@ -22298,30 +22092,9 @@
               <a:buFont typeface="Courier New" panose="02070309020205020404" pitchFamily="49" charset="0"/>
               <a:buChar char="o"/>
             </a:pPr>
-            <a:endParaRPr lang="he-IL" sz="1800" dirty="0">
-              <a:effectLst/>
-              <a:latin typeface="Calibri" panose="020F0502020204030204" pitchFamily="34" charset="0"/>
-              <a:ea typeface="Calibri" panose="020F0502020204030204" pitchFamily="34" charset="0"/>
-              <a:cs typeface="Arial" panose="020B0604020202020204" pitchFamily="34" charset="0"/>
-            </a:endParaRPr>
-          </a:p>
-          <a:p>
-            <a:pPr marL="742950" marR="0" lvl="1" indent="-285750" algn="r" rtl="1">
-              <a:lnSpc>
-                <a:spcPct val="107000"/>
-              </a:lnSpc>
-              <a:spcBef>
-                <a:spcPts val="0"/>
-              </a:spcBef>
-              <a:spcAft>
-                <a:spcPts val="800"/>
-              </a:spcAft>
-              <a:buFont typeface="Courier New" panose="02070309020205020404" pitchFamily="49" charset="0"/>
-              <a:buChar char="o"/>
-            </a:pPr>
             <a:endParaRPr lang="en-US" sz="1800" dirty="0">
               <a:effectLst/>
-              <a:latin typeface="Calibri" panose="020F0502020204030204" pitchFamily="34" charset="0"/>
+              <a:latin typeface="Arial" panose="020B0604020202020204" pitchFamily="34" charset="0"/>
               <a:ea typeface="Calibri" panose="020F0502020204030204" pitchFamily="34" charset="0"/>
               <a:cs typeface="Arial" panose="020B0604020202020204" pitchFamily="34" charset="0"/>
             </a:endParaRPr>
@@ -22442,7 +22215,7 @@
         </p:nvSpPr>
         <p:spPr>
           <a:xfrm>
-            <a:off x="2566468" y="517170"/>
+            <a:off x="2869987" y="449243"/>
             <a:ext cx="3404026" cy="572700"/>
           </a:xfrm>
           <a:prstGeom prst="rect">
@@ -22491,7 +22264,7 @@
         </p:nvSpPr>
         <p:spPr>
           <a:xfrm>
-            <a:off x="1933626" y="1441168"/>
+            <a:off x="2032903" y="1326215"/>
             <a:ext cx="6788858" cy="3185162"/>
           </a:xfrm>
           <a:prstGeom prst="rect">
@@ -22724,8 +22497,8 @@
         </p:blipFill>
         <p:spPr>
           <a:xfrm>
-            <a:off x="794476" y="2097740"/>
-            <a:ext cx="4473449" cy="2181421"/>
+            <a:off x="426549" y="1958093"/>
+            <a:ext cx="5481539" cy="2673003"/>
           </a:xfrm>
           <a:prstGeom prst="rect">
             <a:avLst/>
@@ -22761,8 +22534,8 @@
         </p:blipFill>
         <p:spPr>
           <a:xfrm>
-            <a:off x="5862419" y="1821115"/>
-            <a:ext cx="2695909" cy="3045760"/>
+            <a:off x="6302969" y="1958093"/>
+            <a:ext cx="2422946" cy="2673003"/>
           </a:xfrm>
           <a:prstGeom prst="rect">
             <a:avLst/>
@@ -22798,7 +22571,7 @@
         </p:blipFill>
         <p:spPr>
           <a:xfrm>
-            <a:off x="1090741" y="2419350"/>
+            <a:off x="823028" y="2495550"/>
             <a:ext cx="152400" cy="152400"/>
           </a:xfrm>
           <a:prstGeom prst="rect">
@@ -22828,7 +22601,7 @@
         </p:blipFill>
         <p:spPr>
           <a:xfrm>
-            <a:off x="1090741" y="3917706"/>
+            <a:off x="829484" y="4142387"/>
             <a:ext cx="152400" cy="152400"/>
           </a:xfrm>
           <a:prstGeom prst="rect">

--- a/documents/פרוייקט 7 - מצגת סוף.pptx
+++ b/documents/פרוייקט 7 - מצגת סוף.pptx
@@ -21461,6 +21461,30 @@
               <a:buNone/>
             </a:pPr>
             <a:r>
+              <a:rPr lang="he-IL" sz="1800" dirty="0">
+                <a:latin typeface="Arial" panose="020B0604020202020204" pitchFamily="34" charset="0"/>
+                <a:ea typeface="Calibri" panose="020F0502020204030204" pitchFamily="34" charset="0"/>
+                <a:cs typeface="Arial" panose="020B0604020202020204" pitchFamily="34" charset="0"/>
+              </a:rPr>
+              <a:t>1 : ניצחון.</a:t>
+            </a:r>
+            <a:endParaRPr lang="en-US" sz="1800" dirty="0">
+              <a:latin typeface="Arial" panose="020B0604020202020204" pitchFamily="34" charset="0"/>
+              <a:ea typeface="Calibri" panose="020F0502020204030204" pitchFamily="34" charset="0"/>
+              <a:cs typeface="Arial" panose="020B0604020202020204" pitchFamily="34" charset="0"/>
+            </a:endParaRPr>
+          </a:p>
+          <a:p>
+            <a:pPr marL="0" indent="0" algn="r" rtl="1">
+              <a:lnSpc>
+                <a:spcPct val="107000"/>
+              </a:lnSpc>
+              <a:spcAft>
+                <a:spcPts val="800"/>
+              </a:spcAft>
+              <a:buNone/>
+            </a:pPr>
+            <a:r>
               <a:rPr lang="en-US" sz="1800" dirty="0">
                 <a:latin typeface="Arial" panose="020B0604020202020204" pitchFamily="34" charset="0"/>
                 <a:ea typeface="Calibri" panose="020F0502020204030204" pitchFamily="34" charset="0"/>
@@ -21475,46 +21499,6 @@
                 <a:cs typeface="Arial" panose="020B0604020202020204" pitchFamily="34" charset="0"/>
               </a:rPr>
               <a:t> : הפסד.</a:t>
-            </a:r>
-            <a:endParaRPr lang="en-US" sz="1800" dirty="0">
-              <a:latin typeface="Arial" panose="020B0604020202020204" pitchFamily="34" charset="0"/>
-              <a:ea typeface="Calibri" panose="020F0502020204030204" pitchFamily="34" charset="0"/>
-              <a:cs typeface="Arial" panose="020B0604020202020204" pitchFamily="34" charset="0"/>
-            </a:endParaRPr>
-          </a:p>
-          <a:p>
-            <a:pPr marL="0" indent="0" algn="r" rtl="1">
-              <a:lnSpc>
-                <a:spcPct val="107000"/>
-              </a:lnSpc>
-              <a:spcAft>
-                <a:spcPts val="800"/>
-              </a:spcAft>
-              <a:buNone/>
-            </a:pPr>
-            <a:r>
-              <a:rPr lang="he-IL" sz="1800" dirty="0">
-                <a:latin typeface="Arial" panose="020B0604020202020204" pitchFamily="34" charset="0"/>
-                <a:ea typeface="Calibri" panose="020F0502020204030204" pitchFamily="34" charset="0"/>
-                <a:cs typeface="Arial" panose="020B0604020202020204" pitchFamily="34" charset="0"/>
-              </a:rPr>
-              <a:t>1 : </a:t>
-            </a:r>
-            <a:r>
-              <a:rPr lang="en-US" sz="1800" dirty="0">
-                <a:latin typeface="Arial" panose="020B0604020202020204" pitchFamily="34" charset="0"/>
-                <a:ea typeface="Calibri" panose="020F0502020204030204" pitchFamily="34" charset="0"/>
-                <a:cs typeface="Arial" panose="020B0604020202020204" pitchFamily="34" charset="0"/>
-              </a:rPr>
-              <a:t> </a:t>
-            </a:r>
-            <a:r>
-              <a:rPr lang="he-IL" sz="1800" dirty="0">
-                <a:latin typeface="Arial" panose="020B0604020202020204" pitchFamily="34" charset="0"/>
-                <a:ea typeface="Calibri" panose="020F0502020204030204" pitchFamily="34" charset="0"/>
-                <a:cs typeface="Arial" panose="020B0604020202020204" pitchFamily="34" charset="0"/>
-              </a:rPr>
-              <a:t>ניצחון.</a:t>
             </a:r>
           </a:p>
           <a:p>
@@ -21902,6 +21886,30 @@
               <a:buNone/>
             </a:pPr>
             <a:r>
+              <a:rPr lang="he-IL" sz="1800" dirty="0">
+                <a:latin typeface="Arial" panose="020B0604020202020204" pitchFamily="34" charset="0"/>
+                <a:ea typeface="Calibri" panose="020F0502020204030204" pitchFamily="34" charset="0"/>
+                <a:cs typeface="Arial" panose="020B0604020202020204" pitchFamily="34" charset="0"/>
+              </a:rPr>
+              <a:t>1 : ניצחון.</a:t>
+            </a:r>
+            <a:endParaRPr lang="en-US" sz="1800" dirty="0">
+              <a:latin typeface="Arial" panose="020B0604020202020204" pitchFamily="34" charset="0"/>
+              <a:ea typeface="Calibri" panose="020F0502020204030204" pitchFamily="34" charset="0"/>
+              <a:cs typeface="Arial" panose="020B0604020202020204" pitchFamily="34" charset="0"/>
+            </a:endParaRPr>
+          </a:p>
+          <a:p>
+            <a:pPr marL="0" indent="0" algn="r" rtl="1">
+              <a:lnSpc>
+                <a:spcPct val="107000"/>
+              </a:lnSpc>
+              <a:spcAft>
+                <a:spcPts val="800"/>
+              </a:spcAft>
+              <a:buNone/>
+            </a:pPr>
+            <a:r>
               <a:rPr lang="en-US" sz="1800" dirty="0">
                 <a:latin typeface="Arial" panose="020B0604020202020204" pitchFamily="34" charset="0"/>
                 <a:ea typeface="Calibri" panose="020F0502020204030204" pitchFamily="34" charset="0"/>
@@ -21916,46 +21924,6 @@
                 <a:cs typeface="Arial" panose="020B0604020202020204" pitchFamily="34" charset="0"/>
               </a:rPr>
               <a:t> : הפסד.</a:t>
-            </a:r>
-            <a:endParaRPr lang="en-US" sz="1800" dirty="0">
-              <a:latin typeface="Arial" panose="020B0604020202020204" pitchFamily="34" charset="0"/>
-              <a:ea typeface="Calibri" panose="020F0502020204030204" pitchFamily="34" charset="0"/>
-              <a:cs typeface="Arial" panose="020B0604020202020204" pitchFamily="34" charset="0"/>
-            </a:endParaRPr>
-          </a:p>
-          <a:p>
-            <a:pPr marL="0" indent="0" algn="r" rtl="1">
-              <a:lnSpc>
-                <a:spcPct val="107000"/>
-              </a:lnSpc>
-              <a:spcAft>
-                <a:spcPts val="800"/>
-              </a:spcAft>
-              <a:buNone/>
-            </a:pPr>
-            <a:r>
-              <a:rPr lang="he-IL" sz="1800" dirty="0">
-                <a:latin typeface="Arial" panose="020B0604020202020204" pitchFamily="34" charset="0"/>
-                <a:ea typeface="Calibri" panose="020F0502020204030204" pitchFamily="34" charset="0"/>
-                <a:cs typeface="Arial" panose="020B0604020202020204" pitchFamily="34" charset="0"/>
-              </a:rPr>
-              <a:t>1 : </a:t>
-            </a:r>
-            <a:r>
-              <a:rPr lang="en-US" sz="1800" dirty="0">
-                <a:latin typeface="Arial" panose="020B0604020202020204" pitchFamily="34" charset="0"/>
-                <a:ea typeface="Calibri" panose="020F0502020204030204" pitchFamily="34" charset="0"/>
-                <a:cs typeface="Arial" panose="020B0604020202020204" pitchFamily="34" charset="0"/>
-              </a:rPr>
-              <a:t> </a:t>
-            </a:r>
-            <a:r>
-              <a:rPr lang="he-IL" sz="1800" dirty="0">
-                <a:latin typeface="Arial" panose="020B0604020202020204" pitchFamily="34" charset="0"/>
-                <a:ea typeface="Calibri" panose="020F0502020204030204" pitchFamily="34" charset="0"/>
-                <a:cs typeface="Arial" panose="020B0604020202020204" pitchFamily="34" charset="0"/>
-              </a:rPr>
-              <a:t>ניצחון.</a:t>
             </a:r>
           </a:p>
           <a:p>
